--- a/term_project/report/DIP_Term_Project.pptx
+++ b/term_project/report/DIP_Term_Project.pptx
@@ -5,31 +5,40 @@
     <p:sldMasterId id="2147483648" r:id="rId1"/>
   </p:sldMasterIdLst>
   <p:notesMasterIdLst>
-    <p:notesMasterId r:id="rId9"/>
+    <p:notesMasterId r:id="rId14"/>
   </p:notesMasterIdLst>
   <p:sldIdLst>
     <p:sldId id="256" r:id="rId2"/>
     <p:sldId id="276" r:id="rId3"/>
     <p:sldId id="277" r:id="rId4"/>
-    <p:sldId id="280" r:id="rId5"/>
-    <p:sldId id="278" r:id="rId6"/>
-    <p:sldId id="281" r:id="rId7"/>
-    <p:sldId id="275" r:id="rId8"/>
+    <p:sldId id="282" r:id="rId5"/>
+    <p:sldId id="280" r:id="rId6"/>
+    <p:sldId id="283" r:id="rId7"/>
+    <p:sldId id="284" r:id="rId8"/>
+    <p:sldId id="285" r:id="rId9"/>
+    <p:sldId id="286" r:id="rId10"/>
+    <p:sldId id="281" r:id="rId11"/>
+    <p:sldId id="287" r:id="rId12"/>
+    <p:sldId id="275" r:id="rId13"/>
   </p:sldIdLst>
   <p:sldSz cx="12192000" cy="6858000"/>
   <p:notesSz cx="6858000" cy="9144000"/>
   <p:embeddedFontLst>
     <p:embeddedFont>
       <p:font typeface="Malgun Gothic" panose="020B0503020000020004" pitchFamily="50" charset="-127"/>
-      <p:regular r:id="rId10"/>
-      <p:bold r:id="rId11"/>
+      <p:regular r:id="rId15"/>
+      <p:bold r:id="rId16"/>
+    </p:embeddedFont>
+    <p:embeddedFont>
+      <p:font typeface="Cambria Math" panose="02040503050406030204" pitchFamily="18" charset="0"/>
+      <p:regular r:id="rId17"/>
     </p:embeddedFont>
     <p:embeddedFont>
       <p:font typeface="Trebuchet MS" panose="020B0603020202020204" pitchFamily="34" charset="0"/>
-      <p:regular r:id="rId12"/>
-      <p:bold r:id="rId13"/>
-      <p:italic r:id="rId14"/>
-      <p:boldItalic r:id="rId15"/>
+      <p:regular r:id="rId18"/>
+      <p:bold r:id="rId19"/>
+      <p:italic r:id="rId20"/>
+      <p:boldItalic r:id="rId21"/>
     </p:embeddedFont>
   </p:embeddedFontLst>
   <p:defaultTextStyle>
@@ -266,7 +275,7 @@
       <p15:sldGuideLst xmlns:p15="http://schemas.microsoft.com/office/powerpoint/2012/main"/>
     </p:ext>
     <p:ext uri="http://customooxmlschemas.google.com/">
-      <go:slidesCustomData xmlns="" xmlns:mc="http://schemas.openxmlformats.org/markup-compatibility/2006" xmlns:mv="urn:schemas-microsoft-com:mac:vml" xmlns:c="http://schemas.openxmlformats.org/drawingml/2006/chart" xmlns:dgm="http://schemas.openxmlformats.org/drawingml/2006/diagram" xmlns:o="urn:schemas-microsoft-com:office:office" xmlns:v="urn:schemas-microsoft-com:vml" xmlns:pvml="urn:schemas-microsoft-com:office:powerpoint" xmlns:com="http://schemas.openxmlformats.org/drawingml/2006/compatibility" xmlns:p14="http://schemas.microsoft.com/office/powerpoint/2010/main" xmlns:p15="http://schemas.microsoft.com/office/powerpoint/2012/main" xmlns:ahyp="http://schemas.microsoft.com/office/drawing/2018/hyperlinkcolor" xmlns:go="http://customooxmlschemas.google.com/" r:id="rId26" roundtripDataSignature="AMtx7mgCXzkVJXCxyrrRcT2iW8IUycegKA=="/>
+      <go:slidesCustomData xmlns:go="http://customooxmlschemas.google.com/" xmlns:ahyp="http://schemas.microsoft.com/office/drawing/2018/hyperlinkcolor" xmlns:p15="http://schemas.microsoft.com/office/powerpoint/2012/main" xmlns:p14="http://schemas.microsoft.com/office/powerpoint/2010/main" xmlns:com="http://schemas.openxmlformats.org/drawingml/2006/compatibility" xmlns:pvml="urn:schemas-microsoft-com:office:powerpoint" xmlns:v="urn:schemas-microsoft-com:vml" xmlns:o="urn:schemas-microsoft-com:office:office" xmlns:dgm="http://schemas.openxmlformats.org/drawingml/2006/diagram" xmlns:c="http://schemas.openxmlformats.org/drawingml/2006/chart" xmlns:mv="urn:schemas-microsoft-com:mac:vml" xmlns:mc="http://schemas.openxmlformats.org/markup-compatibility/2006" xmlns="" r:id="rId26" roundtripDataSignature="AMtx7mgCXzkVJXCxyrrRcT2iW8IUycegKA=="/>
     </p:ext>
   </p:extLst>
 </p:presentation>
@@ -2008,6 +2017,358 @@
 </p:notes>
 </file>
 
+<file path=ppt/notesSlides/notesSlide10.xml><?xml version="1.0" encoding="utf-8"?>
+<p:notes xmlns:a="http://schemas.openxmlformats.org/drawingml/2006/main" xmlns:r="http://schemas.openxmlformats.org/officeDocument/2006/relationships" xmlns:p="http://schemas.openxmlformats.org/presentationml/2006/main">
+  <p:cSld>
+    <p:spTree>
+      <p:nvGrpSpPr>
+        <p:cNvPr id="1" name=""/>
+        <p:cNvGrpSpPr/>
+        <p:nvPr/>
+      </p:nvGrpSpPr>
+      <p:grpSpPr>
+        <a:xfrm>
+          <a:off x="0" y="0"/>
+          <a:ext cx="0" cy="0"/>
+          <a:chOff x="0" y="0"/>
+          <a:chExt cx="0" cy="0"/>
+        </a:xfrm>
+      </p:grpSpPr>
+      <p:sp>
+        <p:nvSpPr>
+          <p:cNvPr id="2" name="슬라이드 이미지 개체 틀 1"/>
+          <p:cNvSpPr>
+            <a:spLocks noGrp="1" noRot="1" noChangeAspect="1"/>
+          </p:cNvSpPr>
+          <p:nvPr>
+            <p:ph type="sldImg"/>
+          </p:nvPr>
+        </p:nvSpPr>
+        <p:spPr/>
+      </p:sp>
+      <p:sp>
+        <p:nvSpPr>
+          <p:cNvPr id="3" name="슬라이드 노트 개체 틀 2"/>
+          <p:cNvSpPr>
+            <a:spLocks noGrp="1"/>
+          </p:cNvSpPr>
+          <p:nvPr>
+            <p:ph type="body" idx="1"/>
+          </p:nvPr>
+        </p:nvSpPr>
+        <p:spPr/>
+        <p:txBody>
+          <a:bodyPr/>
+          <a:lstStyle/>
+          <a:p>
+            <a:r>
+              <a:rPr lang="en-US" altLang="ko-KR" dirty="0"/>
+              <a:t>https://colab.research.google.com/drive/1zGq5ANZ1_SWltiCZmBl4qy_uBsie6Hue?authuser=1</a:t>
+            </a:r>
+            <a:endParaRPr lang="ko-KR" altLang="en-US" dirty="0"/>
+          </a:p>
+        </p:txBody>
+      </p:sp>
+      <p:sp>
+        <p:nvSpPr>
+          <p:cNvPr id="4" name="슬라이드 번호 개체 틀 3"/>
+          <p:cNvSpPr>
+            <a:spLocks noGrp="1"/>
+          </p:cNvSpPr>
+          <p:nvPr>
+            <p:ph type="sldNum" idx="12"/>
+          </p:nvPr>
+        </p:nvSpPr>
+        <p:spPr/>
+        <p:txBody>
+          <a:bodyPr/>
+          <a:lstStyle/>
+          <a:p>
+            <a:pPr marL="0" marR="0" lvl="0" indent="0" algn="r" rtl="0">
+              <a:spcBef>
+                <a:spcPts val="0"/>
+              </a:spcBef>
+              <a:spcAft>
+                <a:spcPts val="0"/>
+              </a:spcAft>
+              <a:buNone/>
+            </a:pPr>
+            <a:fld id="{00000000-1234-1234-1234-123412341234}" type="slidenum">
+              <a:rPr lang="en-US" altLang="ko-KR" sz="1200" b="0" i="0" u="none" strike="noStrike" cap="none">
+                <a:solidFill>
+                  <a:schemeClr val="dk1"/>
+                </a:solidFill>
+                <a:latin typeface="Malgun Gothic"/>
+                <a:ea typeface="Malgun Gothic"/>
+                <a:cs typeface="Malgun Gothic"/>
+                <a:sym typeface="Malgun Gothic"/>
+              </a:rPr>
+              <a:t>11</a:t>
+            </a:fld>
+            <a:endParaRPr lang="ko-KR" altLang="en-US" sz="1200" b="0" i="0" u="none" strike="noStrike" cap="none">
+              <a:solidFill>
+                <a:schemeClr val="dk1"/>
+              </a:solidFill>
+              <a:latin typeface="Malgun Gothic"/>
+              <a:ea typeface="Malgun Gothic"/>
+              <a:cs typeface="Malgun Gothic"/>
+              <a:sym typeface="Malgun Gothic"/>
+            </a:endParaRPr>
+          </a:p>
+        </p:txBody>
+      </p:sp>
+    </p:spTree>
+    <p:extLst>
+      <p:ext uri="{BB962C8B-B14F-4D97-AF65-F5344CB8AC3E}">
+        <p14:creationId xmlns:p14="http://schemas.microsoft.com/office/powerpoint/2010/main" val="4088832655"/>
+      </p:ext>
+    </p:extLst>
+  </p:cSld>
+  <p:clrMapOvr>
+    <a:masterClrMapping/>
+  </p:clrMapOvr>
+</p:notes>
+</file>
+
+<file path=ppt/notesSlides/notesSlide11.xml><?xml version="1.0" encoding="utf-8"?>
+<p:notes xmlns:a="http://schemas.openxmlformats.org/drawingml/2006/main" xmlns:r="http://schemas.openxmlformats.org/officeDocument/2006/relationships" xmlns:p="http://schemas.openxmlformats.org/presentationml/2006/main" showMasterSp="0" showMasterPhAnim="0">
+  <p:cSld>
+    <p:spTree>
+      <p:nvGrpSpPr>
+        <p:cNvPr id="1" name="Shape 319"/>
+        <p:cNvGrpSpPr/>
+        <p:nvPr/>
+      </p:nvGrpSpPr>
+      <p:grpSpPr>
+        <a:xfrm>
+          <a:off x="0" y="0"/>
+          <a:ext cx="0" cy="0"/>
+          <a:chOff x="0" y="0"/>
+          <a:chExt cx="0" cy="0"/>
+        </a:xfrm>
+      </p:grpSpPr>
+      <p:sp>
+        <p:nvSpPr>
+          <p:cNvPr id="320" name="Google Shape;320;p20:notes"/>
+          <p:cNvSpPr>
+            <a:spLocks noGrp="1" noRot="1" noChangeAspect="1"/>
+          </p:cNvSpPr>
+          <p:nvPr>
+            <p:ph type="sldImg" idx="2"/>
+          </p:nvPr>
+        </p:nvSpPr>
+        <p:spPr>
+          <a:xfrm>
+            <a:off x="685800" y="1143000"/>
+            <a:ext cx="5486400" cy="3086100"/>
+          </a:xfrm>
+          <a:custGeom>
+            <a:avLst/>
+            <a:gdLst/>
+            <a:ahLst/>
+            <a:cxnLst/>
+            <a:rect l="l" t="t" r="r" b="b"/>
+            <a:pathLst>
+              <a:path w="120000" h="120000" extrusionOk="0">
+                <a:moveTo>
+                  <a:pt x="0" y="0"/>
+                </a:moveTo>
+                <a:lnTo>
+                  <a:pt x="120000" y="0"/>
+                </a:lnTo>
+                <a:lnTo>
+                  <a:pt x="120000" y="120000"/>
+                </a:lnTo>
+                <a:lnTo>
+                  <a:pt x="0" y="120000"/>
+                </a:lnTo>
+                <a:close/>
+              </a:path>
+            </a:pathLst>
+          </a:custGeom>
+          <a:noFill/>
+          <a:ln w="12700" cap="flat" cmpd="sng">
+            <a:solidFill>
+              <a:srgbClr val="000000"/>
+            </a:solidFill>
+            <a:prstDash val="solid"/>
+            <a:round/>
+            <a:headEnd type="none" w="sm" len="sm"/>
+            <a:tailEnd type="none" w="sm" len="sm"/>
+          </a:ln>
+        </p:spPr>
+      </p:sp>
+      <p:sp>
+        <p:nvSpPr>
+          <p:cNvPr id="321" name="Google Shape;321;p20:notes"/>
+          <p:cNvSpPr txBox="1">
+            <a:spLocks noGrp="1"/>
+          </p:cNvSpPr>
+          <p:nvPr>
+            <p:ph type="body" idx="1"/>
+          </p:nvPr>
+        </p:nvSpPr>
+        <p:spPr>
+          <a:xfrm>
+            <a:off x="685800" y="4400550"/>
+            <a:ext cx="5486400" cy="3600450"/>
+          </a:xfrm>
+          <a:prstGeom prst="rect">
+            <a:avLst/>
+          </a:prstGeom>
+          <a:noFill/>
+          <a:ln>
+            <a:noFill/>
+          </a:ln>
+        </p:spPr>
+        <p:txBody>
+          <a:bodyPr spcFirstLastPara="1" wrap="square" lIns="91425" tIns="45700" rIns="91425" bIns="45700" anchor="t" anchorCtr="0">
+            <a:noAutofit/>
+          </a:bodyPr>
+          <a:lstStyle/>
+          <a:p>
+            <a:pPr marL="0" lvl="0" indent="0" algn="l" rtl="0">
+              <a:spcBef>
+                <a:spcPts val="0"/>
+              </a:spcBef>
+              <a:spcAft>
+                <a:spcPts val="0"/>
+              </a:spcAft>
+              <a:buNone/>
+            </a:pPr>
+            <a:r>
+              <a:rPr lang="ko-KR"/>
+              <a:t>로지스틱 회귀 </a:t>
+            </a:r>
+            <a:r>
+              <a:rPr lang="ko-KR" u="sng">
+                <a:solidFill>
+                  <a:schemeClr val="hlink"/>
+                </a:solidFill>
+                <a:hlinkClick r:id="rId3"/>
+              </a:rPr>
+              <a:t>https://ratsgo.github.io/machine%20learning/2017/04/02/logistic/</a:t>
+            </a:r>
+            <a:endParaRPr/>
+          </a:p>
+          <a:p>
+            <a:pPr marL="0" lvl="0" indent="0" algn="l" rtl="0">
+              <a:spcBef>
+                <a:spcPts val="0"/>
+              </a:spcBef>
+              <a:spcAft>
+                <a:spcPts val="0"/>
+              </a:spcAft>
+              <a:buNone/>
+            </a:pPr>
+            <a:r>
+              <a:rPr lang="ko-KR"/>
+              <a:t>최대우도법 </a:t>
+            </a:r>
+            <a:r>
+              <a:rPr lang="ko-KR" u="sng">
+                <a:solidFill>
+                  <a:schemeClr val="hlink"/>
+                </a:solidFill>
+                <a:hlinkClick r:id="rId4"/>
+              </a:rPr>
+              <a:t>https://angeloyeo.github.io/2020/07/17/MLE.html</a:t>
+            </a:r>
+            <a:endParaRPr/>
+          </a:p>
+          <a:p>
+            <a:pPr marL="0" lvl="0" indent="0" algn="l" rtl="0">
+              <a:spcBef>
+                <a:spcPts val="0"/>
+              </a:spcBef>
+              <a:spcAft>
+                <a:spcPts val="0"/>
+              </a:spcAft>
+              <a:buNone/>
+            </a:pPr>
+            <a:r>
+              <a:rPr lang="ko-KR"/>
+              <a:t>원 핫 인코딩 </a:t>
+            </a:r>
+            <a:r>
+              <a:rPr lang="ko-KR" u="sng">
+                <a:solidFill>
+                  <a:schemeClr val="hlink"/>
+                </a:solidFill>
+                <a:hlinkClick r:id="rId5"/>
+              </a:rPr>
+              <a:t>https://john-analyst.medium.com/%EB%8D%B0%EC%9D%B4%ED%84%B0-%EC%A0%84%EC%B2%98%EB%A6%AC-%EB%A0%88%EC%9D%B4%EB%B8%94-%EC%9D%B8%EC%BD%94%EB%94%A9%EA%B3%BC-%EC%9B%90%ED%95%AB-%EC%9D%B8%EC%BD%94%EB%94%A9-f0220df21df1</a:t>
+            </a:r>
+            <a:endParaRPr/>
+          </a:p>
+          <a:p>
+            <a:pPr marL="0" lvl="0" indent="0" algn="l" rtl="0">
+              <a:spcBef>
+                <a:spcPts val="0"/>
+              </a:spcBef>
+              <a:spcAft>
+                <a:spcPts val="0"/>
+              </a:spcAft>
+              <a:buNone/>
+            </a:pPr>
+            <a:endParaRPr/>
+          </a:p>
+        </p:txBody>
+      </p:sp>
+      <p:sp>
+        <p:nvSpPr>
+          <p:cNvPr id="322" name="Google Shape;322;p20:notes"/>
+          <p:cNvSpPr txBox="1">
+            <a:spLocks noGrp="1"/>
+          </p:cNvSpPr>
+          <p:nvPr>
+            <p:ph type="sldNum" idx="12"/>
+          </p:nvPr>
+        </p:nvSpPr>
+        <p:spPr>
+          <a:xfrm>
+            <a:off x="3884613" y="8685213"/>
+            <a:ext cx="2971800" cy="458787"/>
+          </a:xfrm>
+          <a:prstGeom prst="rect">
+            <a:avLst/>
+          </a:prstGeom>
+          <a:noFill/>
+          <a:ln>
+            <a:noFill/>
+          </a:ln>
+        </p:spPr>
+        <p:txBody>
+          <a:bodyPr spcFirstLastPara="1" wrap="square" lIns="91425" tIns="45700" rIns="91425" bIns="45700" anchor="b" anchorCtr="0">
+            <a:noAutofit/>
+          </a:bodyPr>
+          <a:lstStyle/>
+          <a:p>
+            <a:pPr marL="0" lvl="0" indent="0" algn="r" rtl="0">
+              <a:spcBef>
+                <a:spcPts val="0"/>
+              </a:spcBef>
+              <a:spcAft>
+                <a:spcPts val="0"/>
+              </a:spcAft>
+              <a:buNone/>
+            </a:pPr>
+            <a:fld id="{00000000-1234-1234-1234-123412341234}" type="slidenum">
+              <a:rPr lang="en-US" altLang="ko-KR"/>
+              <a:t>12</a:t>
+            </a:fld>
+            <a:endParaRPr/>
+          </a:p>
+        </p:txBody>
+      </p:sp>
+    </p:spTree>
+  </p:cSld>
+  <p:clrMapOvr>
+    <a:masterClrMapping/>
+  </p:clrMapOvr>
+</p:notes>
+</file>
+
 <file path=ppt/notesSlides/notesSlide2.xml><?xml version="1.0" encoding="utf-8"?>
 <p:notes xmlns:a="http://schemas.openxmlformats.org/drawingml/2006/main" xmlns:r="http://schemas.openxmlformats.org/officeDocument/2006/relationships" xmlns:p="http://schemas.openxmlformats.org/presentationml/2006/main">
   <p:cSld>
@@ -2240,7 +2601,86 @@
           <a:bodyPr/>
           <a:lstStyle/>
           <a:p>
-            <a:endParaRPr lang="en-US" altLang="ko-KR" dirty="0"/>
+            <a:r>
+              <a:rPr lang="en-US" altLang="ko-KR"/>
+              <a:t>Lenet</a:t>
+            </a:r>
+            <a:r>
+              <a:rPr lang="ko-KR" altLang="en-US"/>
+              <a:t> 알고리즘은 기존의 </a:t>
+            </a:r>
+            <a:r>
+              <a:rPr lang="en-US" altLang="ko-KR"/>
+              <a:t>full connected layer</a:t>
+            </a:r>
+            <a:r>
+              <a:rPr lang="ko-KR" altLang="en-US"/>
+              <a:t>가 가지는 한계인 이미지의 형상을 무시하는 점을 개선하기 위해서 고안되었습니다</a:t>
+            </a:r>
+            <a:r>
+              <a:rPr lang="en-US" altLang="ko-KR"/>
+              <a:t>.</a:t>
+            </a:r>
+          </a:p>
+          <a:p>
+            <a:r>
+              <a:rPr lang="ko-KR" altLang="en-US"/>
+              <a:t>따라서 연구팀은 </a:t>
+            </a:r>
+            <a:r>
+              <a:rPr lang="en-US" altLang="ko-KR"/>
+              <a:t>local receptive field</a:t>
+            </a:r>
+            <a:r>
+              <a:rPr lang="ko-KR" altLang="en-US"/>
+              <a:t> </a:t>
+            </a:r>
+            <a:r>
+              <a:rPr lang="en-US" altLang="ko-KR"/>
+              <a:t>(filter), shard weight, sub-mapping(convolution, polling)</a:t>
+            </a:r>
+            <a:r>
+              <a:rPr lang="ko-KR" altLang="en-US"/>
+              <a:t>의 개념을 도입하여 </a:t>
+            </a:r>
+            <a:r>
+              <a:rPr lang="en-US" altLang="ko-KR"/>
+              <a:t>Lenet</a:t>
+            </a:r>
+            <a:r>
+              <a:rPr lang="ko-KR" altLang="en-US"/>
+              <a:t> 알고리즘을 개발합니다</a:t>
+            </a:r>
+            <a:r>
+              <a:rPr lang="en-US" altLang="ko-KR"/>
+              <a:t>.</a:t>
+            </a:r>
+          </a:p>
+          <a:p>
+            <a:r>
+              <a:rPr lang="ko-KR" altLang="en-US"/>
+              <a:t>그 당시 개발된 것이 </a:t>
+            </a:r>
+            <a:r>
+              <a:rPr lang="en-US" altLang="ko-KR"/>
+              <a:t>LeNet-1</a:t>
+            </a:r>
+            <a:r>
+              <a:rPr lang="ko-KR" altLang="en-US"/>
+              <a:t>이고 이를 바탕으로 </a:t>
+            </a:r>
+            <a:r>
+              <a:rPr lang="en-US" altLang="ko-KR"/>
+              <a:t>LeNet-5</a:t>
+            </a:r>
+            <a:r>
+              <a:rPr lang="ko-KR" altLang="en-US"/>
+              <a:t>까지 만들어지게 되었습니다</a:t>
+            </a:r>
+            <a:r>
+              <a:rPr lang="en-US" altLang="ko-KR"/>
+              <a:t>.</a:t>
+            </a:r>
           </a:p>
         </p:txBody>
       </p:sp>
@@ -2295,7 +2735,7 @@
     </p:spTree>
     <p:extLst>
       <p:ext uri="{BB962C8B-B14F-4D97-AF65-F5344CB8AC3E}">
-        <p14:creationId xmlns:p14="http://schemas.microsoft.com/office/powerpoint/2010/main" val="3256235427"/>
+        <p14:creationId xmlns:p14="http://schemas.microsoft.com/office/powerpoint/2010/main" val="589454199"/>
       </p:ext>
     </p:extLst>
   </p:cSld>
@@ -2349,10 +2789,7 @@
           <a:bodyPr/>
           <a:lstStyle/>
           <a:p>
-            <a:r>
-              <a:rPr lang="en-US" altLang="ko-KR" sz="1200" dirty="0"/>
-              <a:t>https://colab.research.google.com/drive/1KwSJY4cC65_RSnvAAaXDQiopbHU0a4bD?authuser=1#scrollTo=pqpnR2dgWWNS</a:t>
-            </a:r>
+            <a:endParaRPr lang="en-US" altLang="ko-KR" dirty="0"/>
           </a:p>
         </p:txBody>
       </p:sp>
@@ -2407,7 +2844,7 @@
     </p:spTree>
     <p:extLst>
       <p:ext uri="{BB962C8B-B14F-4D97-AF65-F5344CB8AC3E}">
-        <p14:creationId xmlns:p14="http://schemas.microsoft.com/office/powerpoint/2010/main" val="1887118218"/>
+        <p14:creationId xmlns:p14="http://schemas.microsoft.com/office/powerpoint/2010/main" val="3256235427"/>
       </p:ext>
     </p:extLst>
   </p:cSld>
@@ -2418,6 +2855,442 @@
 </file>
 
 <file path=ppt/notesSlides/notesSlide5.xml><?xml version="1.0" encoding="utf-8"?>
+<p:notes xmlns:a="http://schemas.openxmlformats.org/drawingml/2006/main" xmlns:r="http://schemas.openxmlformats.org/officeDocument/2006/relationships" xmlns:p="http://schemas.openxmlformats.org/presentationml/2006/main">
+  <p:cSld>
+    <p:spTree>
+      <p:nvGrpSpPr>
+        <p:cNvPr id="1" name=""/>
+        <p:cNvGrpSpPr/>
+        <p:nvPr/>
+      </p:nvGrpSpPr>
+      <p:grpSpPr>
+        <a:xfrm>
+          <a:off x="0" y="0"/>
+          <a:ext cx="0" cy="0"/>
+          <a:chOff x="0" y="0"/>
+          <a:chExt cx="0" cy="0"/>
+        </a:xfrm>
+      </p:grpSpPr>
+      <p:sp>
+        <p:nvSpPr>
+          <p:cNvPr id="2" name="슬라이드 이미지 개체 틀 1"/>
+          <p:cNvSpPr>
+            <a:spLocks noGrp="1" noRot="1" noChangeAspect="1"/>
+          </p:cNvSpPr>
+          <p:nvPr>
+            <p:ph type="sldImg"/>
+          </p:nvPr>
+        </p:nvSpPr>
+        <p:spPr/>
+      </p:sp>
+      <p:sp>
+        <p:nvSpPr>
+          <p:cNvPr id="3" name="슬라이드 노트 개체 틀 2"/>
+          <p:cNvSpPr>
+            <a:spLocks noGrp="1"/>
+          </p:cNvSpPr>
+          <p:nvPr>
+            <p:ph type="body" idx="1"/>
+          </p:nvPr>
+        </p:nvSpPr>
+        <p:spPr/>
+        <p:txBody>
+          <a:bodyPr/>
+          <a:lstStyle/>
+          <a:p>
+            <a:endParaRPr lang="en-US" altLang="ko-KR" dirty="0"/>
+          </a:p>
+        </p:txBody>
+      </p:sp>
+      <p:sp>
+        <p:nvSpPr>
+          <p:cNvPr id="4" name="슬라이드 번호 개체 틀 3"/>
+          <p:cNvSpPr>
+            <a:spLocks noGrp="1"/>
+          </p:cNvSpPr>
+          <p:nvPr>
+            <p:ph type="sldNum" idx="12"/>
+          </p:nvPr>
+        </p:nvSpPr>
+        <p:spPr/>
+        <p:txBody>
+          <a:bodyPr/>
+          <a:lstStyle/>
+          <a:p>
+            <a:pPr marL="0" marR="0" lvl="0" indent="0" algn="r" rtl="0">
+              <a:spcBef>
+                <a:spcPts val="0"/>
+              </a:spcBef>
+              <a:spcAft>
+                <a:spcPts val="0"/>
+              </a:spcAft>
+              <a:buNone/>
+            </a:pPr>
+            <a:fld id="{00000000-1234-1234-1234-123412341234}" type="slidenum">
+              <a:rPr lang="en-US" altLang="ko-KR" sz="1200" b="0" i="0" u="none" strike="noStrike" cap="none">
+                <a:solidFill>
+                  <a:schemeClr val="dk1"/>
+                </a:solidFill>
+                <a:latin typeface="Malgun Gothic"/>
+                <a:ea typeface="Malgun Gothic"/>
+                <a:cs typeface="Malgun Gothic"/>
+                <a:sym typeface="Malgun Gothic"/>
+              </a:rPr>
+              <a:t>6</a:t>
+            </a:fld>
+            <a:endParaRPr lang="ko-KR" altLang="en-US" sz="1200" b="0" i="0" u="none" strike="noStrike" cap="none">
+              <a:solidFill>
+                <a:schemeClr val="dk1"/>
+              </a:solidFill>
+              <a:latin typeface="Malgun Gothic"/>
+              <a:ea typeface="Malgun Gothic"/>
+              <a:cs typeface="Malgun Gothic"/>
+              <a:sym typeface="Malgun Gothic"/>
+            </a:endParaRPr>
+          </a:p>
+        </p:txBody>
+      </p:sp>
+    </p:spTree>
+    <p:extLst>
+      <p:ext uri="{BB962C8B-B14F-4D97-AF65-F5344CB8AC3E}">
+        <p14:creationId xmlns:p14="http://schemas.microsoft.com/office/powerpoint/2010/main" val="2165452188"/>
+      </p:ext>
+    </p:extLst>
+  </p:cSld>
+  <p:clrMapOvr>
+    <a:masterClrMapping/>
+  </p:clrMapOvr>
+</p:notes>
+</file>
+
+<file path=ppt/notesSlides/notesSlide6.xml><?xml version="1.0" encoding="utf-8"?>
+<p:notes xmlns:a="http://schemas.openxmlformats.org/drawingml/2006/main" xmlns:r="http://schemas.openxmlformats.org/officeDocument/2006/relationships" xmlns:p="http://schemas.openxmlformats.org/presentationml/2006/main">
+  <p:cSld>
+    <p:spTree>
+      <p:nvGrpSpPr>
+        <p:cNvPr id="1" name=""/>
+        <p:cNvGrpSpPr/>
+        <p:nvPr/>
+      </p:nvGrpSpPr>
+      <p:grpSpPr>
+        <a:xfrm>
+          <a:off x="0" y="0"/>
+          <a:ext cx="0" cy="0"/>
+          <a:chOff x="0" y="0"/>
+          <a:chExt cx="0" cy="0"/>
+        </a:xfrm>
+      </p:grpSpPr>
+      <p:sp>
+        <p:nvSpPr>
+          <p:cNvPr id="2" name="슬라이드 이미지 개체 틀 1"/>
+          <p:cNvSpPr>
+            <a:spLocks noGrp="1" noRot="1" noChangeAspect="1"/>
+          </p:cNvSpPr>
+          <p:nvPr>
+            <p:ph type="sldImg"/>
+          </p:nvPr>
+        </p:nvSpPr>
+        <p:spPr/>
+      </p:sp>
+      <p:sp>
+        <p:nvSpPr>
+          <p:cNvPr id="3" name="슬라이드 노트 개체 틀 2"/>
+          <p:cNvSpPr>
+            <a:spLocks noGrp="1"/>
+          </p:cNvSpPr>
+          <p:nvPr>
+            <p:ph type="body" idx="1"/>
+          </p:nvPr>
+        </p:nvSpPr>
+        <p:spPr/>
+        <p:txBody>
+          <a:bodyPr/>
+          <a:lstStyle/>
+          <a:p>
+            <a:endParaRPr lang="en-US" altLang="ko-KR" dirty="0"/>
+          </a:p>
+        </p:txBody>
+      </p:sp>
+      <p:sp>
+        <p:nvSpPr>
+          <p:cNvPr id="4" name="슬라이드 번호 개체 틀 3"/>
+          <p:cNvSpPr>
+            <a:spLocks noGrp="1"/>
+          </p:cNvSpPr>
+          <p:nvPr>
+            <p:ph type="sldNum" idx="12"/>
+          </p:nvPr>
+        </p:nvSpPr>
+        <p:spPr/>
+        <p:txBody>
+          <a:bodyPr/>
+          <a:lstStyle/>
+          <a:p>
+            <a:pPr marL="0" marR="0" lvl="0" indent="0" algn="r" rtl="0">
+              <a:spcBef>
+                <a:spcPts val="0"/>
+              </a:spcBef>
+              <a:spcAft>
+                <a:spcPts val="0"/>
+              </a:spcAft>
+              <a:buNone/>
+            </a:pPr>
+            <a:fld id="{00000000-1234-1234-1234-123412341234}" type="slidenum">
+              <a:rPr lang="en-US" altLang="ko-KR" sz="1200" b="0" i="0" u="none" strike="noStrike" cap="none">
+                <a:solidFill>
+                  <a:schemeClr val="dk1"/>
+                </a:solidFill>
+                <a:latin typeface="Malgun Gothic"/>
+                <a:ea typeface="Malgun Gothic"/>
+                <a:cs typeface="Malgun Gothic"/>
+                <a:sym typeface="Malgun Gothic"/>
+              </a:rPr>
+              <a:t>7</a:t>
+            </a:fld>
+            <a:endParaRPr lang="ko-KR" altLang="en-US" sz="1200" b="0" i="0" u="none" strike="noStrike" cap="none">
+              <a:solidFill>
+                <a:schemeClr val="dk1"/>
+              </a:solidFill>
+              <a:latin typeface="Malgun Gothic"/>
+              <a:ea typeface="Malgun Gothic"/>
+              <a:cs typeface="Malgun Gothic"/>
+              <a:sym typeface="Malgun Gothic"/>
+            </a:endParaRPr>
+          </a:p>
+        </p:txBody>
+      </p:sp>
+    </p:spTree>
+    <p:extLst>
+      <p:ext uri="{BB962C8B-B14F-4D97-AF65-F5344CB8AC3E}">
+        <p14:creationId xmlns:p14="http://schemas.microsoft.com/office/powerpoint/2010/main" val="4217284084"/>
+      </p:ext>
+    </p:extLst>
+  </p:cSld>
+  <p:clrMapOvr>
+    <a:masterClrMapping/>
+  </p:clrMapOvr>
+</p:notes>
+</file>
+
+<file path=ppt/notesSlides/notesSlide7.xml><?xml version="1.0" encoding="utf-8"?>
+<p:notes xmlns:a="http://schemas.openxmlformats.org/drawingml/2006/main" xmlns:r="http://schemas.openxmlformats.org/officeDocument/2006/relationships" xmlns:p="http://schemas.openxmlformats.org/presentationml/2006/main">
+  <p:cSld>
+    <p:spTree>
+      <p:nvGrpSpPr>
+        <p:cNvPr id="1" name=""/>
+        <p:cNvGrpSpPr/>
+        <p:nvPr/>
+      </p:nvGrpSpPr>
+      <p:grpSpPr>
+        <a:xfrm>
+          <a:off x="0" y="0"/>
+          <a:ext cx="0" cy="0"/>
+          <a:chOff x="0" y="0"/>
+          <a:chExt cx="0" cy="0"/>
+        </a:xfrm>
+      </p:grpSpPr>
+      <p:sp>
+        <p:nvSpPr>
+          <p:cNvPr id="2" name="슬라이드 이미지 개체 틀 1"/>
+          <p:cNvSpPr>
+            <a:spLocks noGrp="1" noRot="1" noChangeAspect="1"/>
+          </p:cNvSpPr>
+          <p:nvPr>
+            <p:ph type="sldImg"/>
+          </p:nvPr>
+        </p:nvSpPr>
+        <p:spPr/>
+      </p:sp>
+      <p:sp>
+        <p:nvSpPr>
+          <p:cNvPr id="3" name="슬라이드 노트 개체 틀 2"/>
+          <p:cNvSpPr>
+            <a:spLocks noGrp="1"/>
+          </p:cNvSpPr>
+          <p:nvPr>
+            <p:ph type="body" idx="1"/>
+          </p:nvPr>
+        </p:nvSpPr>
+        <p:spPr/>
+        <p:txBody>
+          <a:bodyPr/>
+          <a:lstStyle/>
+          <a:p>
+            <a:endParaRPr lang="en-US" altLang="ko-KR" dirty="0"/>
+          </a:p>
+        </p:txBody>
+      </p:sp>
+      <p:sp>
+        <p:nvSpPr>
+          <p:cNvPr id="4" name="슬라이드 번호 개체 틀 3"/>
+          <p:cNvSpPr>
+            <a:spLocks noGrp="1"/>
+          </p:cNvSpPr>
+          <p:nvPr>
+            <p:ph type="sldNum" idx="12"/>
+          </p:nvPr>
+        </p:nvSpPr>
+        <p:spPr/>
+        <p:txBody>
+          <a:bodyPr/>
+          <a:lstStyle/>
+          <a:p>
+            <a:pPr marL="0" marR="0" lvl="0" indent="0" algn="r" rtl="0">
+              <a:spcBef>
+                <a:spcPts val="0"/>
+              </a:spcBef>
+              <a:spcAft>
+                <a:spcPts val="0"/>
+              </a:spcAft>
+              <a:buNone/>
+            </a:pPr>
+            <a:fld id="{00000000-1234-1234-1234-123412341234}" type="slidenum">
+              <a:rPr lang="en-US" altLang="ko-KR" sz="1200" b="0" i="0" u="none" strike="noStrike" cap="none">
+                <a:solidFill>
+                  <a:schemeClr val="dk1"/>
+                </a:solidFill>
+                <a:latin typeface="Malgun Gothic"/>
+                <a:ea typeface="Malgun Gothic"/>
+                <a:cs typeface="Malgun Gothic"/>
+                <a:sym typeface="Malgun Gothic"/>
+              </a:rPr>
+              <a:t>8</a:t>
+            </a:fld>
+            <a:endParaRPr lang="ko-KR" altLang="en-US" sz="1200" b="0" i="0" u="none" strike="noStrike" cap="none">
+              <a:solidFill>
+                <a:schemeClr val="dk1"/>
+              </a:solidFill>
+              <a:latin typeface="Malgun Gothic"/>
+              <a:ea typeface="Malgun Gothic"/>
+              <a:cs typeface="Malgun Gothic"/>
+              <a:sym typeface="Malgun Gothic"/>
+            </a:endParaRPr>
+          </a:p>
+        </p:txBody>
+      </p:sp>
+    </p:spTree>
+    <p:extLst>
+      <p:ext uri="{BB962C8B-B14F-4D97-AF65-F5344CB8AC3E}">
+        <p14:creationId xmlns:p14="http://schemas.microsoft.com/office/powerpoint/2010/main" val="749993673"/>
+      </p:ext>
+    </p:extLst>
+  </p:cSld>
+  <p:clrMapOvr>
+    <a:masterClrMapping/>
+  </p:clrMapOvr>
+</p:notes>
+</file>
+
+<file path=ppt/notesSlides/notesSlide8.xml><?xml version="1.0" encoding="utf-8"?>
+<p:notes xmlns:a="http://schemas.openxmlformats.org/drawingml/2006/main" xmlns:r="http://schemas.openxmlformats.org/officeDocument/2006/relationships" xmlns:p="http://schemas.openxmlformats.org/presentationml/2006/main">
+  <p:cSld>
+    <p:spTree>
+      <p:nvGrpSpPr>
+        <p:cNvPr id="1" name=""/>
+        <p:cNvGrpSpPr/>
+        <p:nvPr/>
+      </p:nvGrpSpPr>
+      <p:grpSpPr>
+        <a:xfrm>
+          <a:off x="0" y="0"/>
+          <a:ext cx="0" cy="0"/>
+          <a:chOff x="0" y="0"/>
+          <a:chExt cx="0" cy="0"/>
+        </a:xfrm>
+      </p:grpSpPr>
+      <p:sp>
+        <p:nvSpPr>
+          <p:cNvPr id="2" name="슬라이드 이미지 개체 틀 1"/>
+          <p:cNvSpPr>
+            <a:spLocks noGrp="1" noRot="1" noChangeAspect="1"/>
+          </p:cNvSpPr>
+          <p:nvPr>
+            <p:ph type="sldImg"/>
+          </p:nvPr>
+        </p:nvSpPr>
+        <p:spPr/>
+      </p:sp>
+      <p:sp>
+        <p:nvSpPr>
+          <p:cNvPr id="3" name="슬라이드 노트 개체 틀 2"/>
+          <p:cNvSpPr>
+            <a:spLocks noGrp="1"/>
+          </p:cNvSpPr>
+          <p:nvPr>
+            <p:ph type="body" idx="1"/>
+          </p:nvPr>
+        </p:nvSpPr>
+        <p:spPr/>
+        <p:txBody>
+          <a:bodyPr/>
+          <a:lstStyle/>
+          <a:p>
+            <a:endParaRPr lang="en-US" altLang="ko-KR" dirty="0"/>
+          </a:p>
+        </p:txBody>
+      </p:sp>
+      <p:sp>
+        <p:nvSpPr>
+          <p:cNvPr id="4" name="슬라이드 번호 개체 틀 3"/>
+          <p:cNvSpPr>
+            <a:spLocks noGrp="1"/>
+          </p:cNvSpPr>
+          <p:nvPr>
+            <p:ph type="sldNum" idx="12"/>
+          </p:nvPr>
+        </p:nvSpPr>
+        <p:spPr/>
+        <p:txBody>
+          <a:bodyPr/>
+          <a:lstStyle/>
+          <a:p>
+            <a:pPr marL="0" marR="0" lvl="0" indent="0" algn="r" rtl="0">
+              <a:spcBef>
+                <a:spcPts val="0"/>
+              </a:spcBef>
+              <a:spcAft>
+                <a:spcPts val="0"/>
+              </a:spcAft>
+              <a:buNone/>
+            </a:pPr>
+            <a:fld id="{00000000-1234-1234-1234-123412341234}" type="slidenum">
+              <a:rPr lang="en-US" altLang="ko-KR" sz="1200" b="0" i="0" u="none" strike="noStrike" cap="none">
+                <a:solidFill>
+                  <a:schemeClr val="dk1"/>
+                </a:solidFill>
+                <a:latin typeface="Malgun Gothic"/>
+                <a:ea typeface="Malgun Gothic"/>
+                <a:cs typeface="Malgun Gothic"/>
+                <a:sym typeface="Malgun Gothic"/>
+              </a:rPr>
+              <a:t>9</a:t>
+            </a:fld>
+            <a:endParaRPr lang="ko-KR" altLang="en-US" sz="1200" b="0" i="0" u="none" strike="noStrike" cap="none">
+              <a:solidFill>
+                <a:schemeClr val="dk1"/>
+              </a:solidFill>
+              <a:latin typeface="Malgun Gothic"/>
+              <a:ea typeface="Malgun Gothic"/>
+              <a:cs typeface="Malgun Gothic"/>
+              <a:sym typeface="Malgun Gothic"/>
+            </a:endParaRPr>
+          </a:p>
+        </p:txBody>
+      </p:sp>
+    </p:spTree>
+    <p:extLst>
+      <p:ext uri="{BB962C8B-B14F-4D97-AF65-F5344CB8AC3E}">
+        <p14:creationId xmlns:p14="http://schemas.microsoft.com/office/powerpoint/2010/main" val="1488892304"/>
+      </p:ext>
+    </p:extLst>
+  </p:cSld>
+  <p:clrMapOvr>
+    <a:masterClrMapping/>
+  </p:clrMapOvr>
+</p:notes>
+</file>
+
+<file path=ppt/notesSlides/notesSlide9.xml><?xml version="1.0" encoding="utf-8"?>
 <p:notes xmlns:a="http://schemas.openxmlformats.org/drawingml/2006/main" xmlns:r="http://schemas.openxmlformats.org/officeDocument/2006/relationships" xmlns:p="http://schemas.openxmlformats.org/presentationml/2006/main">
   <p:cSld>
     <p:spTree>
@@ -2503,7 +3376,7 @@
                 <a:cs typeface="Malgun Gothic"/>
                 <a:sym typeface="Malgun Gothic"/>
               </a:rPr>
-              <a:t>6</a:t>
+              <a:t>10</a:t>
             </a:fld>
             <a:endParaRPr lang="ko-KR" altLang="en-US" sz="1200" b="0" i="0" u="none" strike="noStrike" cap="none">
               <a:solidFill>
@@ -2523,245 +3396,6 @@
         <p14:creationId xmlns:p14="http://schemas.microsoft.com/office/powerpoint/2010/main" val="1887118218"/>
       </p:ext>
     </p:extLst>
-  </p:cSld>
-  <p:clrMapOvr>
-    <a:masterClrMapping/>
-  </p:clrMapOvr>
-</p:notes>
-</file>
-
-<file path=ppt/notesSlides/notesSlide6.xml><?xml version="1.0" encoding="utf-8"?>
-<p:notes xmlns:a="http://schemas.openxmlformats.org/drawingml/2006/main" xmlns:r="http://schemas.openxmlformats.org/officeDocument/2006/relationships" xmlns:p="http://schemas.openxmlformats.org/presentationml/2006/main" showMasterSp="0" showMasterPhAnim="0">
-  <p:cSld>
-    <p:spTree>
-      <p:nvGrpSpPr>
-        <p:cNvPr id="1" name="Shape 319"/>
-        <p:cNvGrpSpPr/>
-        <p:nvPr/>
-      </p:nvGrpSpPr>
-      <p:grpSpPr>
-        <a:xfrm>
-          <a:off x="0" y="0"/>
-          <a:ext cx="0" cy="0"/>
-          <a:chOff x="0" y="0"/>
-          <a:chExt cx="0" cy="0"/>
-        </a:xfrm>
-      </p:grpSpPr>
-      <p:sp>
-        <p:nvSpPr>
-          <p:cNvPr id="320" name="Google Shape;320;p20:notes"/>
-          <p:cNvSpPr>
-            <a:spLocks noGrp="1" noRot="1" noChangeAspect="1"/>
-          </p:cNvSpPr>
-          <p:nvPr>
-            <p:ph type="sldImg" idx="2"/>
-          </p:nvPr>
-        </p:nvSpPr>
-        <p:spPr>
-          <a:xfrm>
-            <a:off x="685800" y="1143000"/>
-            <a:ext cx="5486400" cy="3086100"/>
-          </a:xfrm>
-          <a:custGeom>
-            <a:avLst/>
-            <a:gdLst/>
-            <a:ahLst/>
-            <a:cxnLst/>
-            <a:rect l="l" t="t" r="r" b="b"/>
-            <a:pathLst>
-              <a:path w="120000" h="120000" extrusionOk="0">
-                <a:moveTo>
-                  <a:pt x="0" y="0"/>
-                </a:moveTo>
-                <a:lnTo>
-                  <a:pt x="120000" y="0"/>
-                </a:lnTo>
-                <a:lnTo>
-                  <a:pt x="120000" y="120000"/>
-                </a:lnTo>
-                <a:lnTo>
-                  <a:pt x="0" y="120000"/>
-                </a:lnTo>
-                <a:close/>
-              </a:path>
-            </a:pathLst>
-          </a:custGeom>
-          <a:noFill/>
-          <a:ln w="12700" cap="flat" cmpd="sng">
-            <a:solidFill>
-              <a:srgbClr val="000000"/>
-            </a:solidFill>
-            <a:prstDash val="solid"/>
-            <a:round/>
-            <a:headEnd type="none" w="sm" len="sm"/>
-            <a:tailEnd type="none" w="sm" len="sm"/>
-          </a:ln>
-        </p:spPr>
-      </p:sp>
-      <p:sp>
-        <p:nvSpPr>
-          <p:cNvPr id="321" name="Google Shape;321;p20:notes"/>
-          <p:cNvSpPr txBox="1">
-            <a:spLocks noGrp="1"/>
-          </p:cNvSpPr>
-          <p:nvPr>
-            <p:ph type="body" idx="1"/>
-          </p:nvPr>
-        </p:nvSpPr>
-        <p:spPr>
-          <a:xfrm>
-            <a:off x="685800" y="4400550"/>
-            <a:ext cx="5486400" cy="3600450"/>
-          </a:xfrm>
-          <a:prstGeom prst="rect">
-            <a:avLst/>
-          </a:prstGeom>
-          <a:noFill/>
-          <a:ln>
-            <a:noFill/>
-          </a:ln>
-        </p:spPr>
-        <p:txBody>
-          <a:bodyPr spcFirstLastPara="1" wrap="square" lIns="91425" tIns="45700" rIns="91425" bIns="45700" anchor="t" anchorCtr="0">
-            <a:noAutofit/>
-          </a:bodyPr>
-          <a:lstStyle/>
-          <a:p>
-            <a:pPr marL="0" lvl="0" indent="0" algn="l" rtl="0">
-              <a:spcBef>
-                <a:spcPts val="0"/>
-              </a:spcBef>
-              <a:spcAft>
-                <a:spcPts val="0"/>
-              </a:spcAft>
-              <a:buNone/>
-            </a:pPr>
-            <a:r>
-              <a:rPr lang="ko-KR"/>
-              <a:t>로지스틱 회귀 </a:t>
-            </a:r>
-            <a:r>
-              <a:rPr lang="ko-KR" u="sng">
-                <a:solidFill>
-                  <a:schemeClr val="hlink"/>
-                </a:solidFill>
-                <a:hlinkClick r:id="rId3"/>
-              </a:rPr>
-              <a:t>https://ratsgo.github.io/machine%20learning/2017/04/02/logistic/</a:t>
-            </a:r>
-            <a:endParaRPr/>
-          </a:p>
-          <a:p>
-            <a:pPr marL="0" lvl="0" indent="0" algn="l" rtl="0">
-              <a:spcBef>
-                <a:spcPts val="0"/>
-              </a:spcBef>
-              <a:spcAft>
-                <a:spcPts val="0"/>
-              </a:spcAft>
-              <a:buNone/>
-            </a:pPr>
-            <a:r>
-              <a:rPr lang="ko-KR"/>
-              <a:t>최대우도법 </a:t>
-            </a:r>
-            <a:r>
-              <a:rPr lang="ko-KR" u="sng">
-                <a:solidFill>
-                  <a:schemeClr val="hlink"/>
-                </a:solidFill>
-                <a:hlinkClick r:id="rId4"/>
-              </a:rPr>
-              <a:t>https://angeloyeo.github.io/2020/07/17/MLE.html</a:t>
-            </a:r>
-            <a:endParaRPr/>
-          </a:p>
-          <a:p>
-            <a:pPr marL="0" lvl="0" indent="0" algn="l" rtl="0">
-              <a:spcBef>
-                <a:spcPts val="0"/>
-              </a:spcBef>
-              <a:spcAft>
-                <a:spcPts val="0"/>
-              </a:spcAft>
-              <a:buNone/>
-            </a:pPr>
-            <a:r>
-              <a:rPr lang="ko-KR"/>
-              <a:t>원 핫 인코딩 </a:t>
-            </a:r>
-            <a:r>
-              <a:rPr lang="ko-KR" u="sng">
-                <a:solidFill>
-                  <a:schemeClr val="hlink"/>
-                </a:solidFill>
-                <a:hlinkClick r:id="rId5"/>
-              </a:rPr>
-              <a:t>https://john-analyst.medium.com/%EB%8D%B0%EC%9D%B4%ED%84%B0-%EC%A0%84%EC%B2%98%EB%A6%AC-%EB%A0%88%EC%9D%B4%EB%B8%94-%EC%9D%B8%EC%BD%94%EB%94%A9%EA%B3%BC-%EC%9B%90%ED%95%AB-%EC%9D%B8%EC%BD%94%EB%94%A9-f0220df21df1</a:t>
-            </a:r>
-            <a:endParaRPr/>
-          </a:p>
-          <a:p>
-            <a:pPr marL="0" lvl="0" indent="0" algn="l" rtl="0">
-              <a:spcBef>
-                <a:spcPts val="0"/>
-              </a:spcBef>
-              <a:spcAft>
-                <a:spcPts val="0"/>
-              </a:spcAft>
-              <a:buNone/>
-            </a:pPr>
-            <a:endParaRPr/>
-          </a:p>
-        </p:txBody>
-      </p:sp>
-      <p:sp>
-        <p:nvSpPr>
-          <p:cNvPr id="322" name="Google Shape;322;p20:notes"/>
-          <p:cNvSpPr txBox="1">
-            <a:spLocks noGrp="1"/>
-          </p:cNvSpPr>
-          <p:nvPr>
-            <p:ph type="sldNum" idx="12"/>
-          </p:nvPr>
-        </p:nvSpPr>
-        <p:spPr>
-          <a:xfrm>
-            <a:off x="3884613" y="8685213"/>
-            <a:ext cx="2971800" cy="458787"/>
-          </a:xfrm>
-          <a:prstGeom prst="rect">
-            <a:avLst/>
-          </a:prstGeom>
-          <a:noFill/>
-          <a:ln>
-            <a:noFill/>
-          </a:ln>
-        </p:spPr>
-        <p:txBody>
-          <a:bodyPr spcFirstLastPara="1" wrap="square" lIns="91425" tIns="45700" rIns="91425" bIns="45700" anchor="b" anchorCtr="0">
-            <a:noAutofit/>
-          </a:bodyPr>
-          <a:lstStyle/>
-          <a:p>
-            <a:pPr marL="0" lvl="0" indent="0" algn="r" rtl="0">
-              <a:spcBef>
-                <a:spcPts val="0"/>
-              </a:spcBef>
-              <a:spcAft>
-                <a:spcPts val="0"/>
-              </a:spcAft>
-              <a:buNone/>
-            </a:pPr>
-            <a:fld id="{00000000-1234-1234-1234-123412341234}" type="slidenum">
-              <a:rPr lang="en-US" altLang="ko-KR"/>
-              <a:t>7</a:t>
-            </a:fld>
-            <a:endParaRPr/>
-          </a:p>
-        </p:txBody>
-      </p:sp>
-    </p:spTree>
   </p:cSld>
   <p:clrMapOvr>
     <a:masterClrMapping/>
@@ -17643,23 +18277,649 @@
               <a:buNone/>
             </a:pPr>
             <a:r>
-              <a:rPr lang="ko-KR"/>
-              <a:t>2021.02.</a:t>
+              <a:rPr lang="ko-KR" dirty="0"/>
+              <a:t>2021.</a:t>
             </a:r>
             <a:r>
-              <a:rPr lang="en-US" altLang="ko-KR"/>
+              <a:rPr lang="en-US" altLang="ko-KR" dirty="0"/>
+              <a:t>1</a:t>
+            </a:r>
+            <a:r>
+              <a:rPr lang="ko-KR" dirty="0"/>
+              <a:t>2.</a:t>
+            </a:r>
+            <a:r>
+              <a:rPr lang="en-US" altLang="ko-KR" dirty="0"/>
               <a:t>2</a:t>
             </a:r>
             <a:r>
+              <a:rPr lang="ko-KR" dirty="0"/>
+              <a:t>4</a:t>
+            </a:r>
+            <a:endParaRPr dirty="0"/>
+          </a:p>
+          <a:p>
+            <a:pPr marL="0" lvl="0" indent="0" algn="r" rtl="0">
+              <a:spcBef>
+                <a:spcPts val="1000"/>
+              </a:spcBef>
+              <a:spcAft>
+                <a:spcPts val="0"/>
+              </a:spcAft>
+              <a:buSzPts val="1440"/>
+              <a:buNone/>
+            </a:pPr>
+            <a:r>
+              <a:rPr lang="ko-KR" dirty="0"/>
+              <a:t>최병희</a:t>
+            </a:r>
+            <a:endParaRPr dirty="0"/>
+          </a:p>
+        </p:txBody>
+      </p:sp>
+    </p:spTree>
+  </p:cSld>
+  <p:clrMapOvr>
+    <a:masterClrMapping/>
+  </p:clrMapOvr>
+</p:sld>
+</file>
+
+<file path=ppt/slides/slide10.xml><?xml version="1.0" encoding="utf-8"?>
+<p:sld xmlns:a="http://schemas.openxmlformats.org/drawingml/2006/main" xmlns:r="http://schemas.openxmlformats.org/officeDocument/2006/relationships" xmlns:p="http://schemas.openxmlformats.org/presentationml/2006/main">
+  <p:cSld>
+    <p:spTree>
+      <p:nvGrpSpPr>
+        <p:cNvPr id="1" name=""/>
+        <p:cNvGrpSpPr/>
+        <p:nvPr/>
+      </p:nvGrpSpPr>
+      <p:grpSpPr>
+        <a:xfrm>
+          <a:off x="0" y="0"/>
+          <a:ext cx="0" cy="0"/>
+          <a:chOff x="0" y="0"/>
+          <a:chExt cx="0" cy="0"/>
+        </a:xfrm>
+      </p:grpSpPr>
+      <p:sp>
+        <p:nvSpPr>
+          <p:cNvPr id="2" name="제목 1">
+            <a:extLst>
+              <a:ext uri="{FF2B5EF4-FFF2-40B4-BE49-F238E27FC236}">
+                <a16:creationId xmlns:a16="http://schemas.microsoft.com/office/drawing/2014/main" id="{79B3EF8A-B76E-9B4E-848B-4DD088D0022C}"/>
+              </a:ext>
+            </a:extLst>
+          </p:cNvPr>
+          <p:cNvSpPr>
+            <a:spLocks noGrp="1"/>
+          </p:cNvSpPr>
+          <p:nvPr>
+            <p:ph type="title"/>
+          </p:nvPr>
+        </p:nvSpPr>
+        <p:spPr/>
+        <p:txBody>
+          <a:bodyPr/>
+          <a:lstStyle/>
+          <a:p>
+            <a:r>
+              <a:rPr lang="en-US" altLang="ko-KR" dirty="0"/>
+              <a:t>MATLAB </a:t>
+            </a:r>
+            <a:r>
+              <a:rPr lang="ko-KR" altLang="en-US" dirty="0"/>
+              <a:t>실행 결과</a:t>
+            </a:r>
+          </a:p>
+        </p:txBody>
+      </p:sp>
+      <p:pic>
+        <p:nvPicPr>
+          <p:cNvPr id="8" name="그림 7">
+            <a:extLst>
+              <a:ext uri="{FF2B5EF4-FFF2-40B4-BE49-F238E27FC236}">
+                <a16:creationId xmlns:a16="http://schemas.microsoft.com/office/drawing/2014/main" id="{20973D02-B44D-49A5-AD0C-F5D319957A2F}"/>
+              </a:ext>
+            </a:extLst>
+          </p:cNvPr>
+          <p:cNvPicPr>
+            <a:picLocks noChangeAspect="1"/>
+          </p:cNvPicPr>
+          <p:nvPr/>
+        </p:nvPicPr>
+        <p:blipFill rotWithShape="1">
+          <a:blip r:embed="rId3"/>
+          <a:srcRect l="12646" t="3111" r="9419" b="10229"/>
+          <a:stretch/>
+        </p:blipFill>
+        <p:spPr>
+          <a:xfrm>
+            <a:off x="909257" y="1270000"/>
+            <a:ext cx="7352241" cy="4234627"/>
+          </a:xfrm>
+          <a:prstGeom prst="rect">
+            <a:avLst/>
+          </a:prstGeom>
+        </p:spPr>
+      </p:pic>
+      <p:pic>
+        <p:nvPicPr>
+          <p:cNvPr id="7171" name="_x47741112">
+            <a:extLst>
+              <a:ext uri="{FF2B5EF4-FFF2-40B4-BE49-F238E27FC236}">
+                <a16:creationId xmlns:a16="http://schemas.microsoft.com/office/drawing/2014/main" id="{F1914FB5-DB3D-4E0E-8404-90FAC5B4BC42}"/>
+              </a:ext>
+            </a:extLst>
+          </p:cNvPr>
+          <p:cNvPicPr>
+            <a:picLocks noChangeAspect="1" noChangeArrowheads="1"/>
+          </p:cNvPicPr>
+          <p:nvPr/>
+        </p:nvPicPr>
+        <p:blipFill>
+          <a:blip r:embed="rId4">
+            <a:extLst>
+              <a:ext uri="{28A0092B-C50C-407E-A947-70E740481C1C}">
+                <a14:useLocalDpi xmlns:a14="http://schemas.microsoft.com/office/drawing/2010/main" val="0"/>
+              </a:ext>
+            </a:extLst>
+          </a:blip>
+          <a:srcRect/>
+          <a:stretch>
+            <a:fillRect/>
+          </a:stretch>
+        </p:blipFill>
+        <p:spPr bwMode="auto">
+          <a:xfrm>
+            <a:off x="1201478" y="5504626"/>
+            <a:ext cx="3333313" cy="555931"/>
+          </a:xfrm>
+          <a:prstGeom prst="rect">
+            <a:avLst/>
+          </a:prstGeom>
+          <a:noFill/>
+          <a:extLst>
+            <a:ext uri="{909E8E84-426E-40DD-AFC4-6F175D3DCCD1}">
+              <a14:hiddenFill xmlns:a14="http://schemas.microsoft.com/office/drawing/2010/main">
+                <a:solidFill>
+                  <a:srgbClr val="FFFFFF"/>
+                </a:solidFill>
+              </a14:hiddenFill>
+            </a:ext>
+          </a:extLst>
+        </p:spPr>
+      </p:pic>
+      <p:sp>
+        <p:nvSpPr>
+          <p:cNvPr id="11" name="TextBox 10">
+            <a:extLst>
+              <a:ext uri="{FF2B5EF4-FFF2-40B4-BE49-F238E27FC236}">
+                <a16:creationId xmlns:a16="http://schemas.microsoft.com/office/drawing/2014/main" id="{2492FEDB-5C5C-4614-95E6-E70826C76CAF}"/>
+              </a:ext>
+            </a:extLst>
+          </p:cNvPr>
+          <p:cNvSpPr txBox="1"/>
+          <p:nvPr/>
+        </p:nvSpPr>
+        <p:spPr>
+          <a:xfrm>
+            <a:off x="4534791" y="5752780"/>
+            <a:ext cx="2950530" cy="307777"/>
+          </a:xfrm>
+          <a:prstGeom prst="rect">
+            <a:avLst/>
+          </a:prstGeom>
+          <a:noFill/>
+        </p:spPr>
+        <p:txBody>
+          <a:bodyPr wrap="square" rtlCol="0">
+            <a:spAutoFit/>
+          </a:bodyPr>
+          <a:lstStyle/>
+          <a:p>
+            <a:r>
+              <a:rPr lang="ko-KR" altLang="en-US" dirty="0"/>
+              <a:t>주어진 </a:t>
+            </a:r>
+            <a:r>
+              <a:rPr lang="en-US" altLang="ko-KR" dirty="0"/>
+              <a:t>Set5 5</a:t>
+            </a:r>
+            <a:r>
+              <a:rPr lang="ko-KR" altLang="en-US" dirty="0"/>
+              <a:t>장의 평균 </a:t>
+            </a:r>
+            <a:r>
+              <a:rPr lang="en-US" altLang="ko-KR" dirty="0"/>
+              <a:t>PSNR</a:t>
+            </a:r>
+            <a:endParaRPr lang="ko-KR" altLang="en-US" dirty="0"/>
+          </a:p>
+        </p:txBody>
+      </p:sp>
+    </p:spTree>
+    <p:extLst>
+      <p:ext uri="{BB962C8B-B14F-4D97-AF65-F5344CB8AC3E}">
+        <p14:creationId xmlns:p14="http://schemas.microsoft.com/office/powerpoint/2010/main" val="513510834"/>
+      </p:ext>
+    </p:extLst>
+  </p:cSld>
+  <p:clrMapOvr>
+    <a:masterClrMapping/>
+  </p:clrMapOvr>
+</p:sld>
+</file>
+
+<file path=ppt/slides/slide11.xml><?xml version="1.0" encoding="utf-8"?>
+<p:sld xmlns:a="http://schemas.openxmlformats.org/drawingml/2006/main" xmlns:r="http://schemas.openxmlformats.org/officeDocument/2006/relationships" xmlns:p="http://schemas.openxmlformats.org/presentationml/2006/main">
+  <p:cSld>
+    <p:spTree>
+      <p:nvGrpSpPr>
+        <p:cNvPr id="1" name=""/>
+        <p:cNvGrpSpPr/>
+        <p:nvPr/>
+      </p:nvGrpSpPr>
+      <p:grpSpPr>
+        <a:xfrm>
+          <a:off x="0" y="0"/>
+          <a:ext cx="0" cy="0"/>
+          <a:chOff x="0" y="0"/>
+          <a:chExt cx="0" cy="0"/>
+        </a:xfrm>
+      </p:grpSpPr>
+      <p:sp>
+        <p:nvSpPr>
+          <p:cNvPr id="2" name="제목 1">
+            <a:extLst>
+              <a:ext uri="{FF2B5EF4-FFF2-40B4-BE49-F238E27FC236}">
+                <a16:creationId xmlns:a16="http://schemas.microsoft.com/office/drawing/2014/main" id="{79B3EF8A-B76E-9B4E-848B-4DD088D0022C}"/>
+              </a:ext>
+            </a:extLst>
+          </p:cNvPr>
+          <p:cNvSpPr>
+            <a:spLocks noGrp="1"/>
+          </p:cNvSpPr>
+          <p:nvPr>
+            <p:ph type="title"/>
+          </p:nvPr>
+        </p:nvSpPr>
+        <p:spPr/>
+        <p:txBody>
+          <a:bodyPr/>
+          <a:lstStyle/>
+          <a:p>
+            <a:r>
+              <a:rPr lang="ko-KR" altLang="en-US" dirty="0"/>
+              <a:t>결과 리뷰 및 수정사항</a:t>
+            </a:r>
+          </a:p>
+        </p:txBody>
+      </p:sp>
+      <p:sp>
+        <p:nvSpPr>
+          <p:cNvPr id="4" name="텍스트 개체 틀 5">
+            <a:extLst>
+              <a:ext uri="{FF2B5EF4-FFF2-40B4-BE49-F238E27FC236}">
+                <a16:creationId xmlns:a16="http://schemas.microsoft.com/office/drawing/2014/main" id="{50E867E0-21F6-4209-82B5-D02FA67DACAE}"/>
+              </a:ext>
+            </a:extLst>
+          </p:cNvPr>
+          <p:cNvSpPr>
+            <a:spLocks noGrp="1"/>
+          </p:cNvSpPr>
+          <p:nvPr>
+            <p:ph type="body" idx="1"/>
+          </p:nvPr>
+        </p:nvSpPr>
+        <p:spPr>
+          <a:xfrm>
+            <a:off x="849866" y="4251658"/>
+            <a:ext cx="8424136" cy="1996742"/>
+          </a:xfrm>
+        </p:spPr>
+        <p:txBody>
+          <a:bodyPr>
+            <a:normAutofit/>
+          </a:bodyPr>
+          <a:lstStyle/>
+          <a:p>
+            <a:r>
+              <a:rPr lang="ko-KR" altLang="en-US" dirty="0"/>
+              <a:t>코드 실행 결과</a:t>
+            </a:r>
+            <a:r>
+              <a:rPr lang="en-US" altLang="ko-KR" dirty="0"/>
+              <a:t>, bicubic</a:t>
+            </a:r>
+            <a:r>
+              <a:rPr lang="ko-KR" altLang="en-US" dirty="0"/>
+              <a:t>보다 </a:t>
+            </a:r>
+            <a:r>
+              <a:rPr lang="ko-KR" altLang="en-US" dirty="0" err="1"/>
+              <a:t>딥러닝을</a:t>
+            </a:r>
+            <a:r>
+              <a:rPr lang="ko-KR" altLang="en-US" dirty="0"/>
+              <a:t> 사용한 </a:t>
+            </a:r>
+            <a:r>
+              <a:rPr lang="en-US" altLang="ko-KR" dirty="0"/>
+              <a:t>SR</a:t>
+            </a:r>
+            <a:r>
+              <a:rPr lang="ko-KR" altLang="en-US" dirty="0"/>
+              <a:t>의 </a:t>
+            </a:r>
+            <a:r>
+              <a:rPr lang="en-US" altLang="ko-KR" dirty="0"/>
+              <a:t>PSNR</a:t>
+            </a:r>
+            <a:r>
+              <a:rPr lang="ko-KR" altLang="en-US" dirty="0"/>
+              <a:t>값이 낮게 나오는 것을 확인</a:t>
+            </a:r>
+            <a:endParaRPr lang="en-US" altLang="ko-KR" dirty="0"/>
+          </a:p>
+          <a:p>
+            <a:r>
+              <a:rPr lang="en-US" altLang="ko-KR" dirty="0"/>
+              <a:t>SR</a:t>
+            </a:r>
+            <a:r>
+              <a:rPr lang="ko-KR" altLang="en-US" dirty="0"/>
+              <a:t>의 </a:t>
+            </a:r>
+            <a:r>
+              <a:rPr lang="en-US" altLang="ko-KR" dirty="0"/>
+              <a:t>PSNR</a:t>
+            </a:r>
+            <a:r>
+              <a:rPr lang="ko-KR" altLang="en-US" dirty="0"/>
+              <a:t>값을 개선하기 위해 </a:t>
+            </a:r>
+            <a:r>
+              <a:rPr lang="en-US" altLang="ko-KR" dirty="0"/>
+              <a:t>residual image</a:t>
+            </a:r>
+            <a:r>
+              <a:rPr lang="ko-KR" altLang="en-US" dirty="0"/>
+              <a:t>의 반영 가중치를 조절</a:t>
+            </a:r>
+            <a:endParaRPr lang="en-US" altLang="ko-KR" dirty="0"/>
+          </a:p>
+          <a:p>
+            <a:r>
+              <a:rPr lang="ko-KR" altLang="en-US" dirty="0"/>
+              <a:t>반영 가중치를 </a:t>
+            </a:r>
+            <a:r>
+              <a:rPr lang="en-US" altLang="ko-KR" dirty="0"/>
+              <a:t>0~1 </a:t>
+            </a:r>
+            <a:r>
+              <a:rPr lang="ko-KR" altLang="en-US" dirty="0"/>
+              <a:t>사이의 값 중 가장 </a:t>
+            </a:r>
+            <a:r>
+              <a:rPr lang="en-US" altLang="ko-KR" dirty="0"/>
+              <a:t>PSNR</a:t>
+            </a:r>
+            <a:r>
+              <a:rPr lang="ko-KR" altLang="en-US" dirty="0"/>
+              <a:t>이 높은 값을 선택 </a:t>
+            </a:r>
+          </a:p>
+        </p:txBody>
+      </p:sp>
+      <p:pic>
+        <p:nvPicPr>
+          <p:cNvPr id="9217" name="_x149100624">
+            <a:extLst>
+              <a:ext uri="{FF2B5EF4-FFF2-40B4-BE49-F238E27FC236}">
+                <a16:creationId xmlns:a16="http://schemas.microsoft.com/office/drawing/2014/main" id="{249E04D7-0C26-4737-8167-AC7735401958}"/>
+              </a:ext>
+            </a:extLst>
+          </p:cNvPr>
+          <p:cNvPicPr>
+            <a:picLocks noChangeAspect="1" noChangeArrowheads="1"/>
+          </p:cNvPicPr>
+          <p:nvPr/>
+        </p:nvPicPr>
+        <p:blipFill>
+          <a:blip r:embed="rId3">
+            <a:extLst>
+              <a:ext uri="{28A0092B-C50C-407E-A947-70E740481C1C}">
+                <a14:useLocalDpi xmlns:a14="http://schemas.microsoft.com/office/drawing/2010/main" val="0"/>
+              </a:ext>
+            </a:extLst>
+          </a:blip>
+          <a:srcRect/>
+          <a:stretch>
+            <a:fillRect/>
+          </a:stretch>
+        </p:blipFill>
+        <p:spPr bwMode="auto">
+          <a:xfrm>
+            <a:off x="1180214" y="1252047"/>
+            <a:ext cx="3997842" cy="2999611"/>
+          </a:xfrm>
+          <a:prstGeom prst="rect">
+            <a:avLst/>
+          </a:prstGeom>
+          <a:noFill/>
+          <a:extLst>
+            <a:ext uri="{909E8E84-426E-40DD-AFC4-6F175D3DCCD1}">
+              <a14:hiddenFill xmlns:a14="http://schemas.microsoft.com/office/drawing/2010/main">
+                <a:solidFill>
+                  <a:srgbClr val="FFFFFF"/>
+                </a:solidFill>
+              </a14:hiddenFill>
+            </a:ext>
+          </a:extLst>
+        </p:spPr>
+      </p:pic>
+      <p:pic>
+        <p:nvPicPr>
+          <p:cNvPr id="9219" name="_x47742392">
+            <a:extLst>
+              <a:ext uri="{FF2B5EF4-FFF2-40B4-BE49-F238E27FC236}">
+                <a16:creationId xmlns:a16="http://schemas.microsoft.com/office/drawing/2014/main" id="{5CF6E39D-377C-4844-8248-8FAEF1294F98}"/>
+              </a:ext>
+            </a:extLst>
+          </p:cNvPr>
+          <p:cNvPicPr>
+            <a:picLocks noChangeAspect="1" noChangeArrowheads="1"/>
+          </p:cNvPicPr>
+          <p:nvPr/>
+        </p:nvPicPr>
+        <p:blipFill>
+          <a:blip r:embed="rId4">
+            <a:extLst>
+              <a:ext uri="{28A0092B-C50C-407E-A947-70E740481C1C}">
+                <a14:useLocalDpi xmlns:a14="http://schemas.microsoft.com/office/drawing/2010/main" val="0"/>
+              </a:ext>
+            </a:extLst>
+          </a:blip>
+          <a:srcRect/>
+          <a:stretch>
+            <a:fillRect/>
+          </a:stretch>
+        </p:blipFill>
+        <p:spPr bwMode="auto">
+          <a:xfrm>
+            <a:off x="5178056" y="3029326"/>
+            <a:ext cx="3041998" cy="543214"/>
+          </a:xfrm>
+          <a:prstGeom prst="rect">
+            <a:avLst/>
+          </a:prstGeom>
+          <a:noFill/>
+          <a:extLst>
+            <a:ext uri="{909E8E84-426E-40DD-AFC4-6F175D3DCCD1}">
+              <a14:hiddenFill xmlns:a14="http://schemas.microsoft.com/office/drawing/2010/main">
+                <a:solidFill>
+                  <a:srgbClr val="FFFFFF"/>
+                </a:solidFill>
+              </a14:hiddenFill>
+            </a:ext>
+          </a:extLst>
+        </p:spPr>
+      </p:pic>
+      <p:sp>
+        <p:nvSpPr>
+          <p:cNvPr id="9" name="TextBox 8">
+            <a:extLst>
+              <a:ext uri="{FF2B5EF4-FFF2-40B4-BE49-F238E27FC236}">
+                <a16:creationId xmlns:a16="http://schemas.microsoft.com/office/drawing/2014/main" id="{A5A58969-D5EF-4545-8AC3-9BDCA986BE5E}"/>
+              </a:ext>
+            </a:extLst>
+          </p:cNvPr>
+          <p:cNvSpPr txBox="1"/>
+          <p:nvPr/>
+        </p:nvSpPr>
+        <p:spPr>
+          <a:xfrm>
+            <a:off x="5178055" y="3572540"/>
+            <a:ext cx="3561907" cy="307777"/>
+          </a:xfrm>
+          <a:prstGeom prst="rect">
+            <a:avLst/>
+          </a:prstGeom>
+          <a:noFill/>
+        </p:spPr>
+        <p:txBody>
+          <a:bodyPr wrap="square" rtlCol="0">
+            <a:spAutoFit/>
+          </a:bodyPr>
+          <a:lstStyle/>
+          <a:p>
+            <a:r>
+              <a:rPr lang="ko-KR" altLang="en-US" dirty="0"/>
+              <a:t>가중치 조절로 개선된 평균 </a:t>
+            </a:r>
+            <a:r>
+              <a:rPr lang="en-US" altLang="ko-KR" dirty="0"/>
+              <a:t>PSNR</a:t>
+            </a:r>
+            <a:endParaRPr lang="ko-KR" altLang="en-US" dirty="0"/>
+          </a:p>
+        </p:txBody>
+      </p:sp>
+    </p:spTree>
+    <p:extLst>
+      <p:ext uri="{BB962C8B-B14F-4D97-AF65-F5344CB8AC3E}">
+        <p14:creationId xmlns:p14="http://schemas.microsoft.com/office/powerpoint/2010/main" val="4205838439"/>
+      </p:ext>
+    </p:extLst>
+  </p:cSld>
+  <p:clrMapOvr>
+    <a:masterClrMapping/>
+  </p:clrMapOvr>
+</p:sld>
+</file>
+
+<file path=ppt/slides/slide12.xml><?xml version="1.0" encoding="utf-8"?>
+<p:sld xmlns:a="http://schemas.openxmlformats.org/drawingml/2006/main" xmlns:r="http://schemas.openxmlformats.org/officeDocument/2006/relationships" xmlns:p="http://schemas.openxmlformats.org/presentationml/2006/main">
+  <p:cSld>
+    <p:spTree>
+      <p:nvGrpSpPr>
+        <p:cNvPr id="1" name="Shape 323"/>
+        <p:cNvGrpSpPr/>
+        <p:nvPr/>
+      </p:nvGrpSpPr>
+      <p:grpSpPr>
+        <a:xfrm>
+          <a:off x="0" y="0"/>
+          <a:ext cx="0" cy="0"/>
+          <a:chOff x="0" y="0"/>
+          <a:chExt cx="0" cy="0"/>
+        </a:xfrm>
+      </p:grpSpPr>
+      <p:sp>
+        <p:nvSpPr>
+          <p:cNvPr id="324" name="Google Shape;324;p20"/>
+          <p:cNvSpPr txBox="1">
+            <a:spLocks noGrp="1"/>
+          </p:cNvSpPr>
+          <p:nvPr>
+            <p:ph type="ctrTitle"/>
+          </p:nvPr>
+        </p:nvSpPr>
+        <p:spPr>
+          <a:xfrm>
+            <a:off x="1507067" y="2404534"/>
+            <a:ext cx="7766936" cy="1646302"/>
+          </a:xfrm>
+          <a:prstGeom prst="rect">
+            <a:avLst/>
+          </a:prstGeom>
+          <a:noFill/>
+          <a:ln>
+            <a:noFill/>
+          </a:ln>
+        </p:spPr>
+        <p:txBody>
+          <a:bodyPr spcFirstLastPara="1" wrap="square" lIns="91425" tIns="45700" rIns="91425" bIns="45700" anchor="b" anchorCtr="0">
+            <a:noAutofit/>
+          </a:bodyPr>
+          <a:lstStyle/>
+          <a:p>
+            <a:pPr marL="0" lvl="0" indent="0" algn="r" rtl="0">
+              <a:spcBef>
+                <a:spcPts val="0"/>
+              </a:spcBef>
+              <a:spcAft>
+                <a:spcPts val="0"/>
+              </a:spcAft>
+              <a:buClr>
+                <a:schemeClr val="accent1"/>
+              </a:buClr>
+              <a:buSzPts val="5400"/>
+              <a:buFont typeface="Trebuchet MS"/>
+              <a:buNone/>
+            </a:pPr>
+            <a:r>
               <a:rPr lang="ko-KR"/>
-              <a:t>4</a:t>
+              <a:t>감사합니다.</a:t>
             </a:r>
             <a:endParaRPr/>
           </a:p>
+        </p:txBody>
+      </p:sp>
+      <p:sp>
+        <p:nvSpPr>
+          <p:cNvPr id="325" name="Google Shape;325;p20"/>
+          <p:cNvSpPr txBox="1">
+            <a:spLocks noGrp="1"/>
+          </p:cNvSpPr>
+          <p:nvPr>
+            <p:ph type="subTitle" idx="1"/>
+          </p:nvPr>
+        </p:nvSpPr>
+        <p:spPr>
+          <a:xfrm>
+            <a:off x="1507067" y="4050833"/>
+            <a:ext cx="7766936" cy="1096899"/>
+          </a:xfrm>
+          <a:prstGeom prst="rect">
+            <a:avLst/>
+          </a:prstGeom>
+          <a:noFill/>
+          <a:ln>
+            <a:noFill/>
+          </a:ln>
+        </p:spPr>
+        <p:txBody>
+          <a:bodyPr spcFirstLastPara="1" wrap="square" lIns="91425" tIns="45700" rIns="91425" bIns="45700" anchor="t" anchorCtr="0">
+            <a:normAutofit/>
+          </a:bodyPr>
+          <a:lstStyle/>
           <a:p>
             <a:pPr marL="0" lvl="0" indent="0" algn="r" rtl="0">
               <a:spcBef>
-                <a:spcPts val="1000"/>
+                <a:spcPts val="0"/>
               </a:spcBef>
               <a:spcAft>
                 <a:spcPts val="0"/>
@@ -17669,7 +18929,7 @@
             </a:pPr>
             <a:r>
               <a:rPr lang="ko-KR"/>
-              <a:t>최병희</a:t>
+              <a:t>질문 받아요</a:t>
             </a:r>
             <a:endParaRPr/>
           </a:p>
@@ -17750,49 +19010,46 @@
           <a:lstStyle/>
           <a:p>
             <a:r>
-              <a:rPr lang="en-US" altLang="ko-KR" sz="2400"/>
-              <a:t>LeNet-5</a:t>
+              <a:rPr lang="ko-KR" altLang="en-US" sz="2400" dirty="0"/>
+              <a:t>관련 기술 조사</a:t>
             </a:r>
-            <a:r>
-              <a:rPr lang="ko-KR" altLang="en-US" sz="2400"/>
-              <a:t>란</a:t>
-            </a:r>
-            <a:r>
-              <a:rPr lang="en-US" altLang="ko-KR" sz="2400"/>
-              <a:t>?</a:t>
-            </a:r>
+            <a:endParaRPr lang="en-US" altLang="ko-KR" sz="2400" dirty="0"/>
           </a:p>
           <a:p>
             <a:r>
-              <a:rPr lang="en-US" altLang="ko-KR" sz="2400"/>
-              <a:t>LeNet-5</a:t>
+              <a:rPr lang="en-US" altLang="ko-KR" sz="2400" dirty="0"/>
+              <a:t>VDSR</a:t>
             </a:r>
             <a:r>
-              <a:rPr lang="ko-KR" altLang="en-US" sz="2400"/>
-              <a:t>의 구조</a:t>
+              <a:rPr lang="ko-KR" altLang="en-US" sz="2400" dirty="0"/>
+              <a:t> 논문 리뷰</a:t>
             </a:r>
-            <a:endParaRPr lang="en-US" altLang="ko-KR" sz="2400"/>
+            <a:endParaRPr lang="en-US" altLang="ko-KR" sz="2400" dirty="0"/>
           </a:p>
           <a:p>
             <a:r>
-              <a:rPr lang="en-US" altLang="ko-KR" sz="2400"/>
-              <a:t>MNIST </a:t>
+              <a:rPr lang="en-US" altLang="ko-KR" sz="2400" dirty="0" err="1"/>
+              <a:t>Matlab</a:t>
             </a:r>
             <a:r>
-              <a:rPr lang="ko-KR" altLang="en-US" sz="2400"/>
-              <a:t>예제 코드</a:t>
+              <a:rPr lang="en-US" altLang="ko-KR" sz="2400" dirty="0"/>
+              <a:t> </a:t>
             </a:r>
-            <a:endParaRPr lang="en-US" altLang="ko-KR" sz="2400"/>
+            <a:r>
+              <a:rPr lang="ko-KR" altLang="en-US" sz="2400" dirty="0"/>
+              <a:t>실행 결과</a:t>
+            </a:r>
+            <a:endParaRPr lang="en-US" altLang="ko-KR" sz="2400" dirty="0"/>
           </a:p>
           <a:p>
             <a:r>
-              <a:rPr lang="ko-KR" altLang="en-US" sz="2400"/>
-              <a:t>교통 신호 분류기</a:t>
+              <a:rPr lang="ko-KR" altLang="en-US" sz="2400" dirty="0"/>
+              <a:t>결과 리뷰 및 수정사항</a:t>
             </a:r>
-            <a:endParaRPr lang="en-US" altLang="ko-KR" sz="2400"/>
+            <a:endParaRPr lang="en-US" altLang="ko-KR" sz="2400" dirty="0"/>
           </a:p>
           <a:p>
-            <a:endParaRPr lang="ko-KR" altLang="en-US"/>
+            <a:endParaRPr lang="ko-KR" altLang="en-US" dirty="0"/>
           </a:p>
         </p:txBody>
       </p:sp>
@@ -17848,18 +19105,14 @@
           <a:lstStyle/>
           <a:p>
             <a:r>
-              <a:rPr lang="en-US" altLang="ko-KR"/>
-              <a:t>LeNet-5</a:t>
+              <a:rPr lang="ko-KR" altLang="en-US" dirty="0"/>
+              <a:t>관련 기술 </a:t>
             </a:r>
             <a:r>
-              <a:rPr lang="ko-KR" altLang="en-US"/>
-              <a:t>란</a:t>
+              <a:rPr lang="en-US" altLang="ko-KR" dirty="0"/>
+              <a:t>– NN &amp; Bilinear</a:t>
             </a:r>
-            <a:r>
-              <a:rPr lang="en-US" altLang="ko-KR"/>
-              <a:t>?</a:t>
-            </a:r>
-            <a:endParaRPr lang="ko-KR" altLang="en-US"/>
+            <a:endParaRPr lang="ko-KR" altLang="en-US" dirty="0"/>
           </a:p>
         </p:txBody>
       </p:sp>
@@ -17881,8 +19134,8 @@
         </p:nvSpPr>
         <p:spPr>
           <a:xfrm>
-            <a:off x="949792" y="4258590"/>
-            <a:ext cx="7469865" cy="1615560"/>
+            <a:off x="963970" y="4258590"/>
+            <a:ext cx="4824414" cy="1004526"/>
           </a:xfrm>
         </p:spPr>
         <p:txBody>
@@ -17890,96 +19143,429 @@
           <a:lstStyle/>
           <a:p>
             <a:r>
-              <a:rPr lang="en-US" altLang="ko-KR"/>
-              <a:t>Yann Lecun </a:t>
+              <a:rPr lang="ko-KR" altLang="en-US" dirty="0"/>
+              <a:t>원본을 </a:t>
             </a:r>
             <a:r>
-              <a:rPr lang="ko-KR" altLang="en-US"/>
-              <a:t>연구팀이 개발한 최초의 이미지 분류용 </a:t>
+              <a:rPr lang="ko-KR" altLang="en-US" dirty="0" err="1"/>
+              <a:t>역참조했을</a:t>
             </a:r>
             <a:r>
-              <a:rPr lang="en-US" altLang="ko-KR"/>
-              <a:t>CNN </a:t>
+              <a:rPr lang="ko-KR" altLang="en-US" dirty="0"/>
+              <a:t> 때 가장 가까운 거리의 </a:t>
             </a:r>
             <a:r>
-              <a:rPr lang="ko-KR" altLang="en-US"/>
-              <a:t>알고리즘</a:t>
+              <a:rPr lang="ko-KR" altLang="en-US" dirty="0" err="1"/>
+              <a:t>픽셀값</a:t>
             </a:r>
-            <a:endParaRPr lang="en-US" altLang="ko-KR"/>
+            <a:r>
+              <a:rPr lang="ko-KR" altLang="en-US" dirty="0"/>
+              <a:t> 선택</a:t>
+            </a:r>
+            <a:endParaRPr lang="en-US" altLang="ko-KR" dirty="0"/>
           </a:p>
           <a:p>
-            <a:r>
-              <a:rPr lang="en-US" altLang="ko-KR"/>
-              <a:t>Full Connected Layer</a:t>
-            </a:r>
-            <a:r>
-              <a:rPr lang="ko-KR" altLang="en-US"/>
-              <a:t>의 한계점 개선</a:t>
-            </a:r>
-            <a:endParaRPr lang="en-US" altLang="ko-KR"/>
-          </a:p>
-          <a:p>
-            <a:r>
-              <a:rPr lang="en-US" altLang="ko-KR"/>
-              <a:t>LeNet-5</a:t>
-            </a:r>
-            <a:r>
-              <a:rPr lang="ko-KR" altLang="en-US"/>
-              <a:t>는 </a:t>
-            </a:r>
-            <a:r>
-              <a:rPr lang="en-US" altLang="ko-KR"/>
-              <a:t>LeNet-1</a:t>
-            </a:r>
-            <a:r>
-              <a:rPr lang="ko-KR" altLang="en-US"/>
-              <a:t>에서 시작된 </a:t>
-            </a:r>
-            <a:r>
-              <a:rPr lang="en-US" altLang="ko-KR"/>
-              <a:t>LeNet</a:t>
-            </a:r>
-            <a:r>
-              <a:rPr lang="ko-KR" altLang="en-US"/>
-              <a:t>의 최종 버전</a:t>
-            </a:r>
-            <a:endParaRPr lang="en-US" altLang="ko-KR"/>
-          </a:p>
-          <a:p>
-            <a:endParaRPr lang="en-US" altLang="ko-KR"/>
+            <a:endParaRPr lang="en-US" altLang="ko-KR" dirty="0"/>
           </a:p>
         </p:txBody>
       </p:sp>
       <p:pic>
         <p:nvPicPr>
-          <p:cNvPr id="5" name="그림 4">
+          <p:cNvPr id="1025" name="_x47742872">
             <a:extLst>
               <a:ext uri="{FF2B5EF4-FFF2-40B4-BE49-F238E27FC236}">
-                <a16:creationId xmlns:a16="http://schemas.microsoft.com/office/drawing/2014/main" id="{96888F0B-D57A-0B43-A8A1-1195A29016BD}"/>
+                <a16:creationId xmlns:a16="http://schemas.microsoft.com/office/drawing/2014/main" id="{B837BE10-EF3A-41D5-B031-F39118D8F45F}"/>
               </a:ext>
             </a:extLst>
           </p:cNvPr>
           <p:cNvPicPr>
-            <a:picLocks noChangeAspect="1"/>
+            <a:picLocks noChangeAspect="1" noChangeArrowheads="1"/>
           </p:cNvPicPr>
           <p:nvPr/>
         </p:nvPicPr>
         <p:blipFill>
-          <a:blip r:embed="rId3"/>
+          <a:blip r:embed="rId3">
+            <a:extLst>
+              <a:ext uri="{28A0092B-C50C-407E-A947-70E740481C1C}">
+                <a14:useLocalDpi xmlns:a14="http://schemas.microsoft.com/office/drawing/2010/main" val="0"/>
+              </a:ext>
+            </a:extLst>
+          </a:blip>
+          <a:srcRect/>
           <a:stretch>
             <a:fillRect/>
           </a:stretch>
         </p:blipFill>
-        <p:spPr>
+        <p:spPr bwMode="auto">
           <a:xfrm>
-            <a:off x="949791" y="1602265"/>
-            <a:ext cx="8868685" cy="2630822"/>
+            <a:off x="963970" y="1717408"/>
+            <a:ext cx="4160924" cy="2541182"/>
           </a:xfrm>
           <a:prstGeom prst="rect">
             <a:avLst/>
           </a:prstGeom>
+          <a:noFill/>
+          <a:extLst>
+            <a:ext uri="{909E8E84-426E-40DD-AFC4-6F175D3DCCD1}">
+              <a14:hiddenFill xmlns:a14="http://schemas.microsoft.com/office/drawing/2010/main">
+                <a:solidFill>
+                  <a:srgbClr val="FFFFFF"/>
+                </a:solidFill>
+              </a14:hiddenFill>
+            </a:ext>
+          </a:extLst>
         </p:spPr>
       </p:pic>
+      <p:pic>
+        <p:nvPicPr>
+          <p:cNvPr id="1027" name="_x47741112">
+            <a:extLst>
+              <a:ext uri="{FF2B5EF4-FFF2-40B4-BE49-F238E27FC236}">
+                <a16:creationId xmlns:a16="http://schemas.microsoft.com/office/drawing/2014/main" id="{19ABFD50-D04E-4FB3-9829-7E9A33EA2D98}"/>
+              </a:ext>
+            </a:extLst>
+          </p:cNvPr>
+          <p:cNvPicPr>
+            <a:picLocks noChangeAspect="1" noChangeArrowheads="1"/>
+          </p:cNvPicPr>
+          <p:nvPr/>
+        </p:nvPicPr>
+        <p:blipFill>
+          <a:blip r:embed="rId4">
+            <a:extLst>
+              <a:ext uri="{28A0092B-C50C-407E-A947-70E740481C1C}">
+                <a14:useLocalDpi xmlns:a14="http://schemas.microsoft.com/office/drawing/2010/main" val="0"/>
+              </a:ext>
+            </a:extLst>
+          </a:blip>
+          <a:srcRect t="2971"/>
+          <a:stretch>
+            <a:fillRect/>
+          </a:stretch>
+        </p:blipFill>
+        <p:spPr bwMode="auto">
+          <a:xfrm>
+            <a:off x="5411530" y="2218652"/>
+            <a:ext cx="4824413" cy="2039938"/>
+          </a:xfrm>
+          <a:prstGeom prst="rect">
+            <a:avLst/>
+          </a:prstGeom>
+          <a:noFill/>
+          <a:extLst>
+            <a:ext uri="{909E8E84-426E-40DD-AFC4-6F175D3DCCD1}">
+              <a14:hiddenFill xmlns:a14="http://schemas.microsoft.com/office/drawing/2010/main">
+                <a:solidFill>
+                  <a:srgbClr val="FFFFFF"/>
+                </a:solidFill>
+              </a14:hiddenFill>
+            </a:ext>
+          </a:extLst>
+        </p:spPr>
+      </p:pic>
+      <p:sp>
+        <p:nvSpPr>
+          <p:cNvPr id="9" name="텍스트 개체 틀 2">
+            <a:extLst>
+              <a:ext uri="{FF2B5EF4-FFF2-40B4-BE49-F238E27FC236}">
+                <a16:creationId xmlns:a16="http://schemas.microsoft.com/office/drawing/2014/main" id="{CDD30042-FD39-4E62-9582-FE52E158A9E0}"/>
+              </a:ext>
+            </a:extLst>
+          </p:cNvPr>
+          <p:cNvSpPr txBox="1">
+            <a:spLocks/>
+          </p:cNvSpPr>
+          <p:nvPr/>
+        </p:nvSpPr>
+        <p:spPr>
+          <a:xfrm>
+            <a:off x="5411530" y="4258589"/>
+            <a:ext cx="4824414" cy="1408563"/>
+          </a:xfrm>
+          <a:prstGeom prst="rect">
+            <a:avLst/>
+          </a:prstGeom>
+          <a:noFill/>
+          <a:ln>
+            <a:noFill/>
+          </a:ln>
+        </p:spPr>
+        <p:txBody>
+          <a:bodyPr spcFirstLastPara="1" wrap="square" lIns="91425" tIns="45700" rIns="91425" bIns="45700" anchor="t" anchorCtr="0">
+            <a:normAutofit/>
+          </a:bodyPr>
+          <a:lstStyle>
+            <a:defPPr marR="0" lvl="0" algn="l" rtl="0">
+              <a:lnSpc>
+                <a:spcPct val="100000"/>
+              </a:lnSpc>
+              <a:spcBef>
+                <a:spcPts val="0"/>
+              </a:spcBef>
+              <a:spcAft>
+                <a:spcPts val="0"/>
+              </a:spcAft>
+            </a:defPPr>
+            <a:lvl1pPr marL="457200" marR="0" lvl="0" indent="-320040" algn="l" rtl="0">
+              <a:lnSpc>
+                <a:spcPct val="100000"/>
+              </a:lnSpc>
+              <a:spcBef>
+                <a:spcPts val="1000"/>
+              </a:spcBef>
+              <a:spcAft>
+                <a:spcPts val="0"/>
+              </a:spcAft>
+              <a:buClr>
+                <a:schemeClr val="accent1"/>
+              </a:buClr>
+              <a:buSzPts val="1440"/>
+              <a:buFont typeface="Noto Sans Symbols"/>
+              <a:buChar char="►"/>
+              <a:defRPr sz="1800" b="0" i="0" u="none" strike="noStrike" cap="none">
+                <a:solidFill>
+                  <a:srgbClr val="3F3F3F"/>
+                </a:solidFill>
+                <a:latin typeface="Trebuchet MS"/>
+                <a:ea typeface="Trebuchet MS"/>
+                <a:cs typeface="Trebuchet MS"/>
+                <a:sym typeface="Trebuchet MS"/>
+              </a:defRPr>
+            </a:lvl1pPr>
+            <a:lvl2pPr marL="914400" marR="0" lvl="1" indent="-320040" algn="l" rtl="0">
+              <a:lnSpc>
+                <a:spcPct val="100000"/>
+              </a:lnSpc>
+              <a:spcBef>
+                <a:spcPts val="1000"/>
+              </a:spcBef>
+              <a:spcAft>
+                <a:spcPts val="0"/>
+              </a:spcAft>
+              <a:buClr>
+                <a:schemeClr val="accent1"/>
+              </a:buClr>
+              <a:buSzPts val="1440"/>
+              <a:buFont typeface="Noto Sans Symbols"/>
+              <a:buChar char="►"/>
+              <a:defRPr sz="1600" b="0" i="0" u="none" strike="noStrike" cap="none">
+                <a:solidFill>
+                  <a:srgbClr val="3F3F3F"/>
+                </a:solidFill>
+                <a:latin typeface="Trebuchet MS"/>
+                <a:ea typeface="Trebuchet MS"/>
+                <a:cs typeface="Trebuchet MS"/>
+                <a:sym typeface="Trebuchet MS"/>
+              </a:defRPr>
+            </a:lvl2pPr>
+            <a:lvl3pPr marL="1371600" marR="0" lvl="2" indent="-320039" algn="l" rtl="0">
+              <a:lnSpc>
+                <a:spcPct val="100000"/>
+              </a:lnSpc>
+              <a:spcBef>
+                <a:spcPts val="1000"/>
+              </a:spcBef>
+              <a:spcAft>
+                <a:spcPts val="0"/>
+              </a:spcAft>
+              <a:buClr>
+                <a:schemeClr val="accent1"/>
+              </a:buClr>
+              <a:buSzPts val="1440"/>
+              <a:buFont typeface="Noto Sans Symbols"/>
+              <a:buChar char="►"/>
+              <a:defRPr sz="1400" b="0" i="0" u="none" strike="noStrike" cap="none">
+                <a:solidFill>
+                  <a:srgbClr val="3F3F3F"/>
+                </a:solidFill>
+                <a:latin typeface="Trebuchet MS"/>
+                <a:ea typeface="Trebuchet MS"/>
+                <a:cs typeface="Trebuchet MS"/>
+                <a:sym typeface="Trebuchet MS"/>
+              </a:defRPr>
+            </a:lvl3pPr>
+            <a:lvl4pPr marL="1828800" marR="0" lvl="3" indent="-320039" algn="l" rtl="0">
+              <a:lnSpc>
+                <a:spcPct val="100000"/>
+              </a:lnSpc>
+              <a:spcBef>
+                <a:spcPts val="1000"/>
+              </a:spcBef>
+              <a:spcAft>
+                <a:spcPts val="0"/>
+              </a:spcAft>
+              <a:buClr>
+                <a:schemeClr val="accent1"/>
+              </a:buClr>
+              <a:buSzPts val="1440"/>
+              <a:buFont typeface="Noto Sans Symbols"/>
+              <a:buChar char="►"/>
+              <a:defRPr sz="1200" b="0" i="0" u="none" strike="noStrike" cap="none">
+                <a:solidFill>
+                  <a:srgbClr val="3F3F3F"/>
+                </a:solidFill>
+                <a:latin typeface="Trebuchet MS"/>
+                <a:ea typeface="Trebuchet MS"/>
+                <a:cs typeface="Trebuchet MS"/>
+                <a:sym typeface="Trebuchet MS"/>
+              </a:defRPr>
+            </a:lvl4pPr>
+            <a:lvl5pPr marL="2286000" marR="0" lvl="4" indent="-320039" algn="l" rtl="0">
+              <a:lnSpc>
+                <a:spcPct val="100000"/>
+              </a:lnSpc>
+              <a:spcBef>
+                <a:spcPts val="1000"/>
+              </a:spcBef>
+              <a:spcAft>
+                <a:spcPts val="0"/>
+              </a:spcAft>
+              <a:buClr>
+                <a:schemeClr val="accent1"/>
+              </a:buClr>
+              <a:buSzPts val="1440"/>
+              <a:buFont typeface="Noto Sans Symbols"/>
+              <a:buChar char="►"/>
+              <a:defRPr sz="1200" b="0" i="0" u="none" strike="noStrike" cap="none">
+                <a:solidFill>
+                  <a:srgbClr val="3F3F3F"/>
+                </a:solidFill>
+                <a:latin typeface="Trebuchet MS"/>
+                <a:ea typeface="Trebuchet MS"/>
+                <a:cs typeface="Trebuchet MS"/>
+                <a:sym typeface="Trebuchet MS"/>
+              </a:defRPr>
+            </a:lvl5pPr>
+            <a:lvl6pPr marL="2743200" marR="0" lvl="5" indent="-320039" algn="l" rtl="0">
+              <a:lnSpc>
+                <a:spcPct val="100000"/>
+              </a:lnSpc>
+              <a:spcBef>
+                <a:spcPts val="1000"/>
+              </a:spcBef>
+              <a:spcAft>
+                <a:spcPts val="0"/>
+              </a:spcAft>
+              <a:buClr>
+                <a:schemeClr val="accent1"/>
+              </a:buClr>
+              <a:buSzPts val="1440"/>
+              <a:buFont typeface="Noto Sans Symbols"/>
+              <a:buChar char="►"/>
+              <a:defRPr sz="1200" b="0" i="0" u="none" strike="noStrike" cap="none">
+                <a:solidFill>
+                  <a:srgbClr val="3F3F3F"/>
+                </a:solidFill>
+                <a:latin typeface="Trebuchet MS"/>
+                <a:ea typeface="Trebuchet MS"/>
+                <a:cs typeface="Trebuchet MS"/>
+                <a:sym typeface="Trebuchet MS"/>
+              </a:defRPr>
+            </a:lvl6pPr>
+            <a:lvl7pPr marL="3200400" marR="0" lvl="6" indent="-320039" algn="l" rtl="0">
+              <a:lnSpc>
+                <a:spcPct val="100000"/>
+              </a:lnSpc>
+              <a:spcBef>
+                <a:spcPts val="1000"/>
+              </a:spcBef>
+              <a:spcAft>
+                <a:spcPts val="0"/>
+              </a:spcAft>
+              <a:buClr>
+                <a:schemeClr val="accent1"/>
+              </a:buClr>
+              <a:buSzPts val="1440"/>
+              <a:buFont typeface="Noto Sans Symbols"/>
+              <a:buChar char="►"/>
+              <a:defRPr sz="1200" b="0" i="0" u="none" strike="noStrike" cap="none">
+                <a:solidFill>
+                  <a:srgbClr val="3F3F3F"/>
+                </a:solidFill>
+                <a:latin typeface="Trebuchet MS"/>
+                <a:ea typeface="Trebuchet MS"/>
+                <a:cs typeface="Trebuchet MS"/>
+                <a:sym typeface="Trebuchet MS"/>
+              </a:defRPr>
+            </a:lvl7pPr>
+            <a:lvl8pPr marL="3657600" marR="0" lvl="7" indent="-320040" algn="l" rtl="0">
+              <a:lnSpc>
+                <a:spcPct val="100000"/>
+              </a:lnSpc>
+              <a:spcBef>
+                <a:spcPts val="1000"/>
+              </a:spcBef>
+              <a:spcAft>
+                <a:spcPts val="0"/>
+              </a:spcAft>
+              <a:buClr>
+                <a:schemeClr val="accent1"/>
+              </a:buClr>
+              <a:buSzPts val="1440"/>
+              <a:buFont typeface="Noto Sans Symbols"/>
+              <a:buChar char="►"/>
+              <a:defRPr sz="1200" b="0" i="0" u="none" strike="noStrike" cap="none">
+                <a:solidFill>
+                  <a:srgbClr val="3F3F3F"/>
+                </a:solidFill>
+                <a:latin typeface="Trebuchet MS"/>
+                <a:ea typeface="Trebuchet MS"/>
+                <a:cs typeface="Trebuchet MS"/>
+                <a:sym typeface="Trebuchet MS"/>
+              </a:defRPr>
+            </a:lvl8pPr>
+            <a:lvl9pPr marL="4114800" marR="0" lvl="8" indent="-320040" algn="l" rtl="0">
+              <a:lnSpc>
+                <a:spcPct val="100000"/>
+              </a:lnSpc>
+              <a:spcBef>
+                <a:spcPts val="1000"/>
+              </a:spcBef>
+              <a:spcAft>
+                <a:spcPts val="0"/>
+              </a:spcAft>
+              <a:buClr>
+                <a:schemeClr val="accent1"/>
+              </a:buClr>
+              <a:buSzPts val="1440"/>
+              <a:buFont typeface="Noto Sans Symbols"/>
+              <a:buChar char="►"/>
+              <a:defRPr sz="1200" b="0" i="0" u="none" strike="noStrike" cap="none">
+                <a:solidFill>
+                  <a:srgbClr val="3F3F3F"/>
+                </a:solidFill>
+                <a:latin typeface="Trebuchet MS"/>
+                <a:ea typeface="Trebuchet MS"/>
+                <a:cs typeface="Trebuchet MS"/>
+                <a:sym typeface="Trebuchet MS"/>
+              </a:defRPr>
+            </a:lvl9pPr>
+          </a:lstStyle>
+          <a:p>
+            <a:r>
+              <a:rPr lang="ko-KR" altLang="en-US" dirty="0"/>
+              <a:t>원본을 </a:t>
+            </a:r>
+            <a:r>
+              <a:rPr lang="ko-KR" altLang="en-US" dirty="0" err="1"/>
+              <a:t>역참조했을</a:t>
+            </a:r>
+            <a:r>
+              <a:rPr lang="ko-KR" altLang="en-US" dirty="0"/>
+              <a:t> 때 주변 네 픽셀의 거리에 비례하여 </a:t>
+            </a:r>
+            <a:r>
+              <a:rPr lang="ko-KR" altLang="en-US" dirty="0" err="1"/>
+              <a:t>픽셀값</a:t>
+            </a:r>
+            <a:r>
+              <a:rPr lang="ko-KR" altLang="en-US" dirty="0"/>
+              <a:t> 계산</a:t>
+            </a:r>
+            <a:endParaRPr lang="en-US" altLang="ko-KR" dirty="0"/>
+          </a:p>
+        </p:txBody>
+      </p:sp>
     </p:spTree>
     <p:extLst>
       <p:ext uri="{BB962C8B-B14F-4D97-AF65-F5344CB8AC3E}">
@@ -18032,52 +19618,31 @@
           <a:lstStyle/>
           <a:p>
             <a:r>
-              <a:rPr lang="en-US" altLang="ko-KR"/>
-              <a:t>LeNet-5</a:t>
+              <a:rPr lang="ko-KR" altLang="en-US" dirty="0"/>
+              <a:t>관련 기술 </a:t>
             </a:r>
             <a:r>
-              <a:rPr lang="ko-KR" altLang="en-US"/>
-              <a:t>의 구조</a:t>
+              <a:rPr lang="en-US" altLang="ko-KR" dirty="0"/>
+              <a:t>– Bicubic</a:t>
             </a:r>
+            <a:r>
+              <a:rPr lang="ko-KR" altLang="en-US" dirty="0"/>
+              <a:t> </a:t>
+            </a:r>
+            <a:r>
+              <a:rPr lang="en-US" altLang="ko-KR" dirty="0"/>
+              <a:t>interpolation</a:t>
+            </a:r>
+            <a:endParaRPr lang="ko-KR" altLang="en-US" dirty="0"/>
           </a:p>
         </p:txBody>
       </p:sp>
-      <p:pic>
-        <p:nvPicPr>
-          <p:cNvPr id="5" name="그림 4">
+      <p:sp>
+        <p:nvSpPr>
+          <p:cNvPr id="3" name="텍스트 개체 틀 2">
             <a:extLst>
               <a:ext uri="{FF2B5EF4-FFF2-40B4-BE49-F238E27FC236}">
-                <a16:creationId xmlns:a16="http://schemas.microsoft.com/office/drawing/2014/main" id="{96888F0B-D57A-0B43-A8A1-1195A29016BD}"/>
-              </a:ext>
-            </a:extLst>
-          </p:cNvPr>
-          <p:cNvPicPr>
-            <a:picLocks noChangeAspect="1"/>
-          </p:cNvPicPr>
-          <p:nvPr/>
-        </p:nvPicPr>
-        <p:blipFill>
-          <a:blip r:embed="rId3"/>
-          <a:stretch>
-            <a:fillRect/>
-          </a:stretch>
-        </p:blipFill>
-        <p:spPr>
-          <a:xfrm>
-            <a:off x="949791" y="1602265"/>
-            <a:ext cx="8868685" cy="2630822"/>
-          </a:xfrm>
-          <a:prstGeom prst="rect">
-            <a:avLst/>
-          </a:prstGeom>
-        </p:spPr>
-      </p:pic>
-      <p:sp>
-        <p:nvSpPr>
-          <p:cNvPr id="8" name="텍스트 개체 틀 5">
-            <a:extLst>
-              <a:ext uri="{FF2B5EF4-FFF2-40B4-BE49-F238E27FC236}">
-                <a16:creationId xmlns:a16="http://schemas.microsoft.com/office/drawing/2014/main" id="{3EEF936F-DB2E-FE4E-BD7C-206D23C00727}"/>
+                <a16:creationId xmlns:a16="http://schemas.microsoft.com/office/drawing/2014/main" id="{29519A00-09CB-2743-A15A-3FFCE24E51E6}"/>
               </a:ext>
             </a:extLst>
           </p:cNvPr>
@@ -18090,8 +19655,8 @@
         </p:nvSpPr>
         <p:spPr>
           <a:xfrm>
-            <a:off x="949791" y="4712817"/>
-            <a:ext cx="8596668" cy="1145961"/>
+            <a:off x="963969" y="4258590"/>
+            <a:ext cx="7254997" cy="1727540"/>
           </a:xfrm>
         </p:spPr>
         <p:txBody>
@@ -18100,17 +19665,19 @@
           <a:p>
             <a:r>
               <a:rPr lang="ko-KR" altLang="en-US" dirty="0"/>
-              <a:t>구조는 </a:t>
+              <a:t>원본을 </a:t>
             </a:r>
             <a:r>
-              <a:rPr lang="en-US" altLang="ko-KR" dirty="0"/>
-              <a:t>Input-C1-S2-C3-S4-C5-F6-Output</a:t>
+              <a:rPr lang="ko-KR" altLang="en-US" dirty="0" err="1"/>
+              <a:t>역참조했을</a:t>
             </a:r>
-          </a:p>
-          <a:p>
             <a:r>
-              <a:rPr lang="en-US" altLang="ko-KR" dirty="0"/>
-              <a:t>Convolution layer,</a:t>
+              <a:rPr lang="ko-KR" altLang="en-US" dirty="0"/>
+              <a:t> </a:t>
+            </a:r>
+            <a:r>
+              <a:rPr lang="ko-KR" altLang="en-US" dirty="0" err="1"/>
+              <a:t>떄</a:t>
             </a:r>
             <a:r>
               <a:rPr lang="ko-KR" altLang="en-US" dirty="0"/>
@@ -18118,23 +19685,15 @@
             </a:r>
             <a:r>
               <a:rPr lang="en-US" altLang="ko-KR" dirty="0"/>
-              <a:t>pooling layer </a:t>
-            </a:r>
-            <a:r>
-              <a:rPr lang="ko-KR" altLang="en-US" dirty="0"/>
-              <a:t>두</a:t>
-            </a:r>
-            <a:r>
-              <a:rPr lang="en-US" altLang="ko-KR" dirty="0"/>
               <a:t> </a:t>
             </a:r>
             <a:r>
               <a:rPr lang="ko-KR" altLang="en-US" dirty="0"/>
-              <a:t>쌍과 </a:t>
+              <a:t>주변 네 점의 </a:t>
             </a:r>
             <a:r>
-              <a:rPr lang="en-US" altLang="ko-KR" dirty="0"/>
-              <a:t>Full Connected layer</a:t>
+              <a:rPr lang="ko-KR" altLang="en-US" dirty="0" err="1"/>
+              <a:t>픽셀값을</a:t>
             </a:r>
             <a:r>
               <a:rPr lang="ko-KR" altLang="en-US" dirty="0"/>
@@ -18146,15 +19705,123 @@
             </a:r>
             <a:r>
               <a:rPr lang="ko-KR" altLang="en-US" dirty="0"/>
-              <a:t>개로 구성</a:t>
+              <a:t>차 </a:t>
             </a:r>
+            <a:r>
+              <a:rPr lang="ko-KR" altLang="en-US" dirty="0" err="1"/>
+              <a:t>보간한</a:t>
+            </a:r>
+            <a:r>
+              <a:rPr lang="ko-KR" altLang="en-US" dirty="0"/>
+              <a:t> 방정식을 사용하여 </a:t>
+            </a:r>
+            <a:r>
+              <a:rPr lang="ko-KR" altLang="en-US" dirty="0" err="1"/>
+              <a:t>픽셀값을</a:t>
+            </a:r>
+            <a:r>
+              <a:rPr lang="ko-KR" altLang="en-US" dirty="0"/>
+              <a:t> 구하는 방법</a:t>
+            </a:r>
+            <a:endParaRPr lang="en-US" altLang="ko-KR" dirty="0"/>
+          </a:p>
+          <a:p>
+            <a:r>
+              <a:rPr lang="en-US" altLang="ko-KR" dirty="0"/>
+              <a:t>NN, Bilinear </a:t>
+            </a:r>
+            <a:r>
+              <a:rPr lang="ko-KR" altLang="en-US" dirty="0"/>
+              <a:t>보다 선명한 화질을 얻을 수 있음</a:t>
+            </a:r>
+            <a:endParaRPr lang="en-US" altLang="ko-KR" dirty="0"/>
+          </a:p>
+          <a:p>
+            <a:endParaRPr lang="en-US" altLang="ko-KR" dirty="0"/>
           </a:p>
         </p:txBody>
       </p:sp>
+      <p:pic>
+        <p:nvPicPr>
+          <p:cNvPr id="2050" name="Picture 2">
+            <a:extLst>
+              <a:ext uri="{FF2B5EF4-FFF2-40B4-BE49-F238E27FC236}">
+                <a16:creationId xmlns:a16="http://schemas.microsoft.com/office/drawing/2014/main" id="{D936ED81-B726-44B3-85D2-EDA52BCBDFF4}"/>
+              </a:ext>
+            </a:extLst>
+          </p:cNvPr>
+          <p:cNvPicPr>
+            <a:picLocks noChangeAspect="1" noChangeArrowheads="1"/>
+          </p:cNvPicPr>
+          <p:nvPr/>
+        </p:nvPicPr>
+        <p:blipFill>
+          <a:blip r:embed="rId3">
+            <a:extLst>
+              <a:ext uri="{28A0092B-C50C-407E-A947-70E740481C1C}">
+                <a14:useLocalDpi xmlns:a14="http://schemas.microsoft.com/office/drawing/2010/main" val="0"/>
+              </a:ext>
+            </a:extLst>
+          </a:blip>
+          <a:srcRect/>
+          <a:stretch>
+            <a:fillRect/>
+          </a:stretch>
+        </p:blipFill>
+        <p:spPr bwMode="auto">
+          <a:xfrm>
+            <a:off x="5664938" y="1333499"/>
+            <a:ext cx="2785841" cy="2785841"/>
+          </a:xfrm>
+          <a:prstGeom prst="rect">
+            <a:avLst/>
+          </a:prstGeom>
+          <a:noFill/>
+          <a:extLst>
+            <a:ext uri="{909E8E84-426E-40DD-AFC4-6F175D3DCCD1}">
+              <a14:hiddenFill xmlns:a14="http://schemas.microsoft.com/office/drawing/2010/main">
+                <a:solidFill>
+                  <a:srgbClr val="FFFFFF"/>
+                </a:solidFill>
+              </a14:hiddenFill>
+            </a:ext>
+          </a:extLst>
+        </p:spPr>
+      </p:pic>
+      <p:pic>
+        <p:nvPicPr>
+          <p:cNvPr id="5" name="그림 4">
+            <a:extLst>
+              <a:ext uri="{FF2B5EF4-FFF2-40B4-BE49-F238E27FC236}">
+                <a16:creationId xmlns:a16="http://schemas.microsoft.com/office/drawing/2014/main" id="{DC401D57-9384-431B-A6A6-E68BE3D44304}"/>
+              </a:ext>
+            </a:extLst>
+          </p:cNvPr>
+          <p:cNvPicPr>
+            <a:picLocks noChangeAspect="1"/>
+          </p:cNvPicPr>
+          <p:nvPr/>
+        </p:nvPicPr>
+        <p:blipFill>
+          <a:blip r:embed="rId4"/>
+          <a:stretch>
+            <a:fillRect/>
+          </a:stretch>
+        </p:blipFill>
+        <p:spPr>
+          <a:xfrm>
+            <a:off x="2188200" y="1488756"/>
+            <a:ext cx="2785842" cy="2605081"/>
+          </a:xfrm>
+          <a:prstGeom prst="rect">
+            <a:avLst/>
+          </a:prstGeom>
+        </p:spPr>
+      </p:pic>
     </p:spTree>
     <p:extLst>
       <p:ext uri="{BB962C8B-B14F-4D97-AF65-F5344CB8AC3E}">
-        <p14:creationId xmlns:p14="http://schemas.microsoft.com/office/powerpoint/2010/main" val="2435448069"/>
+        <p14:creationId xmlns:p14="http://schemas.microsoft.com/office/powerpoint/2010/main" val="2882552745"/>
       </p:ext>
     </p:extLst>
   </p:cSld>
@@ -18186,7 +19853,7 @@
           <p:cNvPr id="2" name="제목 1">
             <a:extLst>
               <a:ext uri="{FF2B5EF4-FFF2-40B4-BE49-F238E27FC236}">
-                <a16:creationId xmlns:a16="http://schemas.microsoft.com/office/drawing/2014/main" id="{79B3EF8A-B76E-9B4E-848B-4DD088D0022C}"/>
+                <a16:creationId xmlns:a16="http://schemas.microsoft.com/office/drawing/2014/main" id="{E07DCABD-C38C-2E4B-96F7-D0CF3C1883C1}"/>
               </a:ext>
             </a:extLst>
           </p:cNvPr>
@@ -18203,30 +19870,27 @@
           <a:lstStyle/>
           <a:p>
             <a:r>
-              <a:rPr lang="en-US" altLang="ko-KR"/>
-              <a:t>MNIST </a:t>
+              <a:rPr lang="en-US" altLang="ko-KR" dirty="0"/>
+              <a:t>VDSR</a:t>
             </a:r>
             <a:r>
-              <a:rPr lang="ko-KR" altLang="en-US"/>
-              <a:t>예제</a:t>
+              <a:rPr lang="ko-KR" altLang="en-US" dirty="0"/>
+              <a:t> 논문 리뷰 </a:t>
             </a:r>
             <a:r>
-              <a:rPr lang="en-US" altLang="ko-KR"/>
-              <a:t> </a:t>
+              <a:rPr lang="en-US" altLang="ko-KR" dirty="0"/>
+              <a:t>- SRCNN</a:t>
             </a:r>
-            <a:r>
-              <a:rPr lang="ko-KR" altLang="en-US"/>
-              <a:t>코드</a:t>
-            </a:r>
+            <a:endParaRPr lang="ko-KR" altLang="en-US" dirty="0"/>
           </a:p>
         </p:txBody>
       </p:sp>
       <p:sp>
         <p:nvSpPr>
-          <p:cNvPr id="3" name="텍스트 개체 틀 2">
+          <p:cNvPr id="8" name="텍스트 개체 틀 5">
             <a:extLst>
               <a:ext uri="{FF2B5EF4-FFF2-40B4-BE49-F238E27FC236}">
-                <a16:creationId xmlns:a16="http://schemas.microsoft.com/office/drawing/2014/main" id="{542B6224-7478-FF49-AFF8-68231764952D}"/>
+                <a16:creationId xmlns:a16="http://schemas.microsoft.com/office/drawing/2014/main" id="{3EEF936F-DB2E-FE4E-BD7C-206D23C00727}"/>
               </a:ext>
             </a:extLst>
           </p:cNvPr>
@@ -18237,156 +19901,107 @@
             <p:ph type="body" idx="1"/>
           </p:nvPr>
         </p:nvSpPr>
-        <p:spPr/>
+        <p:spPr>
+          <a:xfrm>
+            <a:off x="949791" y="4712817"/>
+            <a:ext cx="8596668" cy="1145961"/>
+          </a:xfrm>
+        </p:spPr>
         <p:txBody>
           <a:bodyPr>
-            <a:normAutofit/>
+            <a:normAutofit lnSpcReduction="10000"/>
           </a:bodyPr>
           <a:lstStyle/>
           <a:p>
             <a:r>
-              <a:rPr lang="en-US" altLang="ko-KR" sz="2000" dirty="0"/>
-              <a:t>MNIST: </a:t>
+              <a:rPr lang="ko-KR" altLang="en-US" dirty="0"/>
+              <a:t>초기의 </a:t>
             </a:r>
             <a:r>
-              <a:rPr lang="ko-KR" altLang="en-US" sz="2000" dirty="0" err="1"/>
-              <a:t>손글씨</a:t>
+              <a:rPr lang="en-US" altLang="ko-KR" dirty="0"/>
+              <a:t>Super Resolution CNN </a:t>
             </a:r>
             <a:r>
-              <a:rPr lang="ko-KR" altLang="en-US" sz="2000" dirty="0"/>
-              <a:t> 숫자를 분류하는 이미지 딥러닝 튜토리얼 라이브러리</a:t>
+              <a:rPr lang="ko-KR" altLang="en-US" dirty="0"/>
+              <a:t>모델</a:t>
             </a:r>
-            <a:endParaRPr lang="en-US" altLang="ko-KR" sz="2000" dirty="0"/>
+            <a:endParaRPr lang="en-US" altLang="ko-KR" dirty="0"/>
           </a:p>
           <a:p>
             <a:r>
-              <a:rPr lang="ko-KR" altLang="en-US" sz="2000" dirty="0"/>
-              <a:t>예제 코드의 과정</a:t>
-            </a:r>
-            <a:endParaRPr lang="en-US" altLang="ko-KR" sz="2000" dirty="0"/>
-          </a:p>
-          <a:p>
-            <a:pPr marL="937260" lvl="1" indent="-342900">
-              <a:buFont typeface="+mj-lt"/>
-              <a:buAutoNum type="arabicPeriod"/>
-            </a:pPr>
-            <a:r>
-              <a:rPr lang="en-US" altLang="ko-KR" sz="2000" dirty="0"/>
-              <a:t>MINST </a:t>
+              <a:rPr lang="ko-KR" altLang="en-US" dirty="0"/>
+              <a:t>저해상도 이미지에서 패치를 뽑아 고차원 벡터를 추출</a:t>
             </a:r>
             <a:r>
-              <a:rPr lang="ko-KR" altLang="en-US" sz="2000" dirty="0"/>
-              <a:t>데이터 로드</a:t>
-            </a:r>
-            <a:endParaRPr lang="en-US" altLang="ko-KR" sz="2000" dirty="0"/>
-          </a:p>
-          <a:p>
-            <a:pPr marL="937260" lvl="1" indent="-342900">
-              <a:buFont typeface="+mj-lt"/>
-              <a:buAutoNum type="arabicPeriod"/>
-            </a:pPr>
-            <a:r>
-              <a:rPr lang="ko-KR" altLang="en-US" sz="2000" dirty="0"/>
-              <a:t>데이터 </a:t>
-            </a:r>
-            <a:r>
-              <a:rPr lang="ko-KR" altLang="en-US" sz="2000" dirty="0" err="1"/>
-              <a:t>전처리</a:t>
-            </a:r>
-            <a:r>
-              <a:rPr lang="en-US" altLang="ko-KR" sz="2000" dirty="0"/>
-              <a:t>(pad)</a:t>
-            </a:r>
-          </a:p>
-          <a:p>
-            <a:pPr marL="937260" lvl="1" indent="-342900">
-              <a:buFont typeface="+mj-lt"/>
-              <a:buAutoNum type="arabicPeriod"/>
-            </a:pPr>
-            <a:r>
-              <a:rPr lang="en-US" altLang="ko-KR" sz="2000" dirty="0" err="1"/>
-              <a:t>LeNet</a:t>
-            </a:r>
-            <a:r>
-              <a:rPr lang="en-US" altLang="ko-KR" sz="2000" dirty="0"/>
-              <a:t> </a:t>
-            </a:r>
-            <a:r>
-              <a:rPr lang="ko-KR" altLang="en-US" sz="2000" dirty="0"/>
-              <a:t>함수</a:t>
-            </a:r>
-            <a:r>
-              <a:rPr lang="en-US" altLang="ko-KR" sz="2000" dirty="0"/>
-              <a:t> </a:t>
-            </a:r>
-            <a:r>
-              <a:rPr lang="ko-KR" altLang="en-US" sz="2000" dirty="0"/>
-              <a:t>작성</a:t>
-            </a:r>
-            <a:endParaRPr lang="en-US" altLang="ko-KR" sz="2000" dirty="0"/>
-          </a:p>
-          <a:p>
-            <a:pPr marL="937260" lvl="1" indent="-342900">
-              <a:buFont typeface="+mj-lt"/>
-              <a:buAutoNum type="arabicPeriod"/>
-            </a:pPr>
-            <a:r>
-              <a:rPr lang="ko-KR" altLang="en-US" sz="2000" dirty="0"/>
-              <a:t>학습</a:t>
-            </a:r>
-            <a:r>
-              <a:rPr lang="en-US" altLang="ko-KR" sz="2000" dirty="0"/>
+              <a:rPr lang="en-US" altLang="ko-KR" dirty="0"/>
               <a:t>, </a:t>
             </a:r>
             <a:r>
-              <a:rPr lang="ko-KR" altLang="en-US" sz="2000" dirty="0"/>
-              <a:t>정확도</a:t>
+              <a:rPr lang="ko-KR" altLang="en-US" dirty="0"/>
+              <a:t>이를 비선형적으로 변환시킨 후 다시 </a:t>
             </a:r>
             <a:r>
-              <a:rPr lang="en-US" altLang="ko-KR" sz="2000" dirty="0"/>
-              <a:t> </a:t>
+              <a:rPr lang="ko-KR" altLang="en-US" dirty="0" err="1"/>
+              <a:t>복원함으로서</a:t>
             </a:r>
             <a:r>
-              <a:rPr lang="ko-KR" altLang="en-US" sz="2000" dirty="0"/>
-              <a:t>평가</a:t>
+              <a:rPr lang="ko-KR" altLang="en-US" dirty="0"/>
+              <a:t> 고해상도 이미지를 얻음</a:t>
             </a:r>
-            <a:endParaRPr lang="en-US" altLang="ko-KR" sz="2000" dirty="0"/>
-          </a:p>
-          <a:p>
-            <a:pPr marL="937260" lvl="1" indent="-342900">
-              <a:buFont typeface="+mj-lt"/>
-              <a:buAutoNum type="arabicPeriod"/>
-            </a:pPr>
-            <a:r>
-              <a:rPr lang="en-US" altLang="ko-KR" sz="2000" dirty="0"/>
-              <a:t>Session </a:t>
-            </a:r>
-            <a:r>
-              <a:rPr lang="ko-KR" altLang="en-US" sz="2000" dirty="0"/>
-              <a:t>실행</a:t>
-            </a:r>
-            <a:endParaRPr lang="en-US" altLang="ko-KR" sz="2000" dirty="0"/>
-          </a:p>
-          <a:p>
-            <a:pPr marL="937260" lvl="1" indent="-342900">
-              <a:buFont typeface="+mj-lt"/>
-              <a:buAutoNum type="arabicPeriod"/>
-            </a:pPr>
-            <a:endParaRPr lang="en-US" altLang="ko-KR" dirty="0"/>
-          </a:p>
-          <a:p>
-            <a:pPr marL="937260" lvl="1" indent="-342900">
-              <a:buFont typeface="+mj-lt"/>
-              <a:buAutoNum type="arabicPeriod"/>
-            </a:pPr>
-            <a:endParaRPr lang="ko-KR" altLang="en-US" dirty="0"/>
           </a:p>
         </p:txBody>
       </p:sp>
+      <p:pic>
+        <p:nvPicPr>
+          <p:cNvPr id="3073" name="_x47742712">
+            <a:extLst>
+              <a:ext uri="{FF2B5EF4-FFF2-40B4-BE49-F238E27FC236}">
+                <a16:creationId xmlns:a16="http://schemas.microsoft.com/office/drawing/2014/main" id="{CDC272EF-D1B2-4A3B-814E-7D3C8949C136}"/>
+              </a:ext>
+            </a:extLst>
+          </p:cNvPr>
+          <p:cNvPicPr>
+            <a:picLocks noChangeAspect="1" noChangeArrowheads="1"/>
+          </p:cNvPicPr>
+          <p:nvPr/>
+        </p:nvPicPr>
+        <p:blipFill>
+          <a:blip r:embed="rId3">
+            <a:extLst>
+              <a:ext uri="{28A0092B-C50C-407E-A947-70E740481C1C}">
+                <a14:useLocalDpi xmlns:a14="http://schemas.microsoft.com/office/drawing/2010/main" val="0"/>
+              </a:ext>
+            </a:extLst>
+          </a:blip>
+          <a:srcRect/>
+          <a:stretch>
+            <a:fillRect/>
+          </a:stretch>
+        </p:blipFill>
+        <p:spPr bwMode="auto">
+          <a:xfrm>
+            <a:off x="1605515" y="1671667"/>
+            <a:ext cx="7471749" cy="2655784"/>
+          </a:xfrm>
+          <a:prstGeom prst="rect">
+            <a:avLst/>
+          </a:prstGeom>
+          <a:noFill/>
+          <a:extLst>
+            <a:ext uri="{909E8E84-426E-40DD-AFC4-6F175D3DCCD1}">
+              <a14:hiddenFill xmlns:a14="http://schemas.microsoft.com/office/drawing/2010/main">
+                <a:solidFill>
+                  <a:srgbClr val="FFFFFF"/>
+                </a:solidFill>
+              </a14:hiddenFill>
+            </a:ext>
+          </a:extLst>
+        </p:spPr>
+      </p:pic>
     </p:spTree>
     <p:extLst>
       <p:ext uri="{BB962C8B-B14F-4D97-AF65-F5344CB8AC3E}">
-        <p14:creationId xmlns:p14="http://schemas.microsoft.com/office/powerpoint/2010/main" val="829461359"/>
+        <p14:creationId xmlns:p14="http://schemas.microsoft.com/office/powerpoint/2010/main" val="2435448069"/>
       </p:ext>
     </p:extLst>
   </p:cSld>
@@ -18418,7 +20033,7 @@
           <p:cNvPr id="2" name="제목 1">
             <a:extLst>
               <a:ext uri="{FF2B5EF4-FFF2-40B4-BE49-F238E27FC236}">
-                <a16:creationId xmlns:a16="http://schemas.microsoft.com/office/drawing/2014/main" id="{79B3EF8A-B76E-9B4E-848B-4DD088D0022C}"/>
+                <a16:creationId xmlns:a16="http://schemas.microsoft.com/office/drawing/2014/main" id="{E07DCABD-C38C-2E4B-96F7-D0CF3C1883C1}"/>
               </a:ext>
             </a:extLst>
           </p:cNvPr>
@@ -18435,18 +20050,30 @@
           <a:lstStyle/>
           <a:p>
             <a:r>
-              <a:rPr lang="ko-KR" altLang="en-US"/>
-              <a:t>교통 신호 분류기</a:t>
+              <a:rPr lang="en-US" altLang="ko-KR" dirty="0"/>
+              <a:t>VDSR</a:t>
+            </a:r>
+            <a:r>
+              <a:rPr lang="ko-KR" altLang="en-US" dirty="0"/>
+              <a:t> 논문 리뷰 </a:t>
+            </a:r>
+            <a:r>
+              <a:rPr lang="en-US" altLang="ko-KR" dirty="0"/>
+              <a:t>- SRCNN</a:t>
+            </a:r>
+            <a:r>
+              <a:rPr lang="ko-KR" altLang="en-US" dirty="0"/>
+              <a:t>의 문제점</a:t>
             </a:r>
           </a:p>
         </p:txBody>
       </p:sp>
       <p:sp>
         <p:nvSpPr>
-          <p:cNvPr id="3" name="텍스트 개체 틀 2">
+          <p:cNvPr id="8" name="텍스트 개체 틀 5">
             <a:extLst>
               <a:ext uri="{FF2B5EF4-FFF2-40B4-BE49-F238E27FC236}">
-                <a16:creationId xmlns:a16="http://schemas.microsoft.com/office/drawing/2014/main" id="{542B6224-7478-FF49-AFF8-68231764952D}"/>
+                <a16:creationId xmlns:a16="http://schemas.microsoft.com/office/drawing/2014/main" id="{3EEF936F-DB2E-FE4E-BD7C-206D23C00727}"/>
               </a:ext>
             </a:extLst>
           </p:cNvPr>
@@ -18457,140 +20084,87 @@
             <p:ph type="body" idx="1"/>
           </p:nvPr>
         </p:nvSpPr>
-        <p:spPr/>
+        <p:spPr>
+          <a:xfrm>
+            <a:off x="939159" y="2596937"/>
+            <a:ext cx="8596668" cy="3229705"/>
+          </a:xfrm>
+        </p:spPr>
         <p:txBody>
-          <a:bodyPr/>
+          <a:bodyPr>
+            <a:normAutofit/>
+          </a:bodyPr>
           <a:lstStyle/>
           <a:p>
             <a:r>
-              <a:rPr lang="ko-KR" altLang="en-US" sz="2000" dirty="0"/>
-              <a:t>강의에서 제공하는 </a:t>
+              <a:rPr lang="en-US" altLang="ko-KR" dirty="0"/>
+              <a:t>Context: </a:t>
             </a:r>
             <a:r>
-              <a:rPr lang="en-US" altLang="ko-KR" sz="2000" dirty="0"/>
-              <a:t>32*32 Traffic sign </a:t>
+              <a:rPr lang="ko-KR" altLang="en-US" dirty="0"/>
+              <a:t>레이어의 수가 적으므로 </a:t>
             </a:r>
             <a:r>
-              <a:rPr lang="ko-KR" altLang="en-US" sz="2000"/>
-              <a:t>이미지 데이터를 </a:t>
+              <a:rPr lang="en-US" altLang="ko-KR" dirty="0"/>
+              <a:t>receptive field</a:t>
             </a:r>
             <a:r>
-              <a:rPr lang="ko-KR" altLang="en-US" sz="2000" dirty="0"/>
-              <a:t>사용하여 학습</a:t>
+              <a:rPr lang="ko-KR" altLang="en-US" dirty="0"/>
+              <a:t>의 크기가 작음</a:t>
             </a:r>
-            <a:endParaRPr lang="en-US" altLang="ko-KR" sz="2000" dirty="0"/>
+            <a:endParaRPr lang="en-US" altLang="ko-KR" dirty="0"/>
           </a:p>
           <a:p>
             <a:r>
-              <a:rPr lang="ko-KR" altLang="en-US" sz="2000" dirty="0"/>
-              <a:t>예제 코드의 과정</a:t>
-            </a:r>
-            <a:endParaRPr lang="en-US" altLang="ko-KR" sz="2000" dirty="0"/>
-          </a:p>
-          <a:p>
-            <a:pPr marL="937260" lvl="1" indent="-342900">
-              <a:buFont typeface="+mj-lt"/>
-              <a:buAutoNum type="arabicPeriod"/>
-            </a:pPr>
-            <a:r>
-              <a:rPr lang="en-US" altLang="ko-KR" sz="2000" dirty="0"/>
-              <a:t>Pickle </a:t>
+              <a:rPr lang="en-US" altLang="ko-KR" dirty="0"/>
+              <a:t>Convergence: </a:t>
             </a:r>
             <a:r>
-              <a:rPr lang="ko-KR" altLang="en-US" sz="2000" dirty="0"/>
-              <a:t>데이터 로드</a:t>
-            </a:r>
-            <a:endParaRPr lang="en-US" altLang="ko-KR" sz="2000" dirty="0"/>
-          </a:p>
-          <a:p>
-            <a:pPr marL="937260" lvl="1" indent="-342900">
-              <a:buFont typeface="+mj-lt"/>
-              <a:buAutoNum type="arabicPeriod"/>
-            </a:pPr>
-            <a:r>
-              <a:rPr lang="en-US" altLang="ko-KR" sz="2000" dirty="0" err="1"/>
-              <a:t>LeNet</a:t>
+              <a:rPr lang="ko-KR" altLang="en-US" dirty="0"/>
+              <a:t>수렴 속도</a:t>
             </a:r>
             <a:r>
-              <a:rPr lang="en-US" altLang="ko-KR" sz="2000" dirty="0"/>
-              <a:t> </a:t>
+              <a:rPr lang="en-US" altLang="ko-KR" dirty="0"/>
+              <a:t>(</a:t>
             </a:r>
             <a:r>
-              <a:rPr lang="ko-KR" altLang="en-US" sz="2000" dirty="0"/>
-              <a:t>함수</a:t>
+              <a:rPr lang="ko-KR" altLang="en-US" dirty="0"/>
+              <a:t>학습 속도</a:t>
             </a:r>
             <a:r>
-              <a:rPr lang="en-US" altLang="ko-KR" sz="2000" dirty="0"/>
-              <a:t> </a:t>
+              <a:rPr lang="en-US" altLang="ko-KR" dirty="0"/>
+              <a:t>)</a:t>
             </a:r>
             <a:r>
-              <a:rPr lang="ko-KR" altLang="en-US" sz="2000" dirty="0"/>
-              <a:t>작성</a:t>
+              <a:rPr lang="ko-KR" altLang="en-US" dirty="0"/>
+              <a:t>가 매우 느림</a:t>
             </a:r>
-            <a:endParaRPr lang="en-US" altLang="ko-KR" sz="2000" dirty="0"/>
-          </a:p>
-          <a:p>
-            <a:pPr marL="937260" lvl="1" indent="-342900">
-              <a:buFont typeface="+mj-lt"/>
-              <a:buAutoNum type="arabicPeriod"/>
-            </a:pPr>
-            <a:r>
-              <a:rPr lang="ko-KR" altLang="en-US" sz="2000" dirty="0"/>
-              <a:t>학습</a:t>
-            </a:r>
-            <a:r>
-              <a:rPr lang="en-US" altLang="ko-KR" sz="2000" dirty="0"/>
-              <a:t>, </a:t>
-            </a:r>
-            <a:r>
-              <a:rPr lang="ko-KR" altLang="en-US" sz="2000" dirty="0"/>
-              <a:t>정확도</a:t>
-            </a:r>
-            <a:r>
-              <a:rPr lang="en-US" altLang="ko-KR" sz="2000" dirty="0"/>
-              <a:t> </a:t>
-            </a:r>
-            <a:r>
-              <a:rPr lang="ko-KR" altLang="en-US" sz="2000" dirty="0"/>
-              <a:t>평가</a:t>
-            </a:r>
-            <a:endParaRPr lang="en-US" altLang="ko-KR" sz="2000" dirty="0"/>
-          </a:p>
-          <a:p>
-            <a:pPr marL="937260" lvl="1" indent="-342900">
-              <a:buFont typeface="+mj-lt"/>
-              <a:buAutoNum type="arabicPeriod"/>
-            </a:pPr>
-            <a:r>
-              <a:rPr lang="en-US" altLang="ko-KR" sz="2000" dirty="0"/>
-              <a:t>Session </a:t>
-            </a:r>
-            <a:r>
-              <a:rPr lang="ko-KR" altLang="en-US" sz="2000" dirty="0"/>
-              <a:t>실행</a:t>
-            </a:r>
-            <a:endParaRPr lang="en-US" altLang="ko-KR" sz="2000" dirty="0"/>
-          </a:p>
-          <a:p>
-            <a:pPr marL="937260" lvl="1" indent="-342900">
-              <a:buFont typeface="+mj-lt"/>
-              <a:buAutoNum type="arabicPeriod"/>
-            </a:pPr>
             <a:endParaRPr lang="en-US" altLang="ko-KR" dirty="0"/>
           </a:p>
           <a:p>
-            <a:pPr marL="937260" lvl="1" indent="-342900">
-              <a:buFont typeface="+mj-lt"/>
-              <a:buAutoNum type="arabicPeriod"/>
-            </a:pPr>
-            <a:endParaRPr lang="ko-KR" altLang="en-US" dirty="0"/>
+            <a:r>
+              <a:rPr lang="en-US" altLang="ko-KR" dirty="0"/>
+              <a:t>Scale Factor: </a:t>
+            </a:r>
+            <a:r>
+              <a:rPr lang="ko-KR" altLang="en-US" dirty="0"/>
+              <a:t>다양한 </a:t>
+            </a:r>
+            <a:r>
+              <a:rPr lang="en-US" altLang="ko-KR" dirty="0"/>
+              <a:t>Scale</a:t>
+            </a:r>
+            <a:r>
+              <a:rPr lang="ko-KR" altLang="en-US" dirty="0"/>
+              <a:t>의 이미지에 적용하기 힘듦</a:t>
+            </a:r>
           </a:p>
         </p:txBody>
       </p:sp>
     </p:spTree>
     <p:extLst>
       <p:ext uri="{BB962C8B-B14F-4D97-AF65-F5344CB8AC3E}">
-        <p14:creationId xmlns:p14="http://schemas.microsoft.com/office/powerpoint/2010/main" val="513510834"/>
+        <p14:creationId xmlns:p14="http://schemas.microsoft.com/office/powerpoint/2010/main" val="2806332288"/>
       </p:ext>
     </p:extLst>
   </p:cSld>
@@ -18605,7 +20179,7 @@
   <p:cSld>
     <p:spTree>
       <p:nvGrpSpPr>
-        <p:cNvPr id="1" name="Shape 323"/>
+        <p:cNvPr id="1" name=""/>
         <p:cNvGrpSpPr/>
         <p:nvPr/>
       </p:nvGrpSpPr>
@@ -18619,69 +20193,201 @@
       </p:grpSpPr>
       <p:sp>
         <p:nvSpPr>
-          <p:cNvPr id="324" name="Google Shape;324;p20"/>
-          <p:cNvSpPr txBox="1">
+          <p:cNvPr id="2" name="제목 1">
+            <a:extLst>
+              <a:ext uri="{FF2B5EF4-FFF2-40B4-BE49-F238E27FC236}">
+                <a16:creationId xmlns:a16="http://schemas.microsoft.com/office/drawing/2014/main" id="{E07DCABD-C38C-2E4B-96F7-D0CF3C1883C1}"/>
+              </a:ext>
+            </a:extLst>
+          </p:cNvPr>
+          <p:cNvSpPr>
             <a:spLocks noGrp="1"/>
           </p:cNvSpPr>
           <p:nvPr>
-            <p:ph type="ctrTitle"/>
+            <p:ph type="title"/>
           </p:nvPr>
         </p:nvSpPr>
-        <p:spPr>
-          <a:xfrm>
-            <a:off x="1507067" y="2404534"/>
-            <a:ext cx="7766936" cy="1646302"/>
-          </a:xfrm>
-          <a:prstGeom prst="rect">
-            <a:avLst/>
-          </a:prstGeom>
-          <a:noFill/>
-          <a:ln>
-            <a:noFill/>
-          </a:ln>
-        </p:spPr>
+        <p:spPr/>
         <p:txBody>
-          <a:bodyPr spcFirstLastPara="1" wrap="square" lIns="91425" tIns="45700" rIns="91425" bIns="45700" anchor="b" anchorCtr="0">
-            <a:noAutofit/>
-          </a:bodyPr>
+          <a:bodyPr/>
           <a:lstStyle/>
           <a:p>
-            <a:pPr marL="0" lvl="0" indent="0" algn="r" rtl="0">
-              <a:spcBef>
-                <a:spcPts val="0"/>
-              </a:spcBef>
-              <a:spcAft>
-                <a:spcPts val="0"/>
-              </a:spcAft>
-              <a:buClr>
-                <a:schemeClr val="accent1"/>
-              </a:buClr>
-              <a:buSzPts val="5400"/>
-              <a:buFont typeface="Trebuchet MS"/>
-              <a:buNone/>
-            </a:pPr>
             <a:r>
-              <a:rPr lang="ko-KR"/>
-              <a:t>감사합니다.</a:t>
+              <a:rPr lang="en-US" altLang="ko-KR" dirty="0"/>
+              <a:t>VDSR</a:t>
             </a:r>
-            <a:endParaRPr/>
+            <a:r>
+              <a:rPr lang="ko-KR" altLang="en-US" dirty="0"/>
+              <a:t> 논문 리뷰 </a:t>
+            </a:r>
+            <a:r>
+              <a:rPr lang="en-US" altLang="ko-KR" dirty="0"/>
+              <a:t>- SRCNN</a:t>
+            </a:r>
+            <a:r>
+              <a:rPr lang="ko-KR" altLang="en-US" dirty="0"/>
+              <a:t>의 문제점</a:t>
+            </a:r>
           </a:p>
         </p:txBody>
       </p:sp>
       <p:sp>
         <p:nvSpPr>
-          <p:cNvPr id="325" name="Google Shape;325;p20"/>
-          <p:cNvSpPr txBox="1">
+          <p:cNvPr id="8" name="텍스트 개체 틀 5">
+            <a:extLst>
+              <a:ext uri="{FF2B5EF4-FFF2-40B4-BE49-F238E27FC236}">
+                <a16:creationId xmlns:a16="http://schemas.microsoft.com/office/drawing/2014/main" id="{3EEF936F-DB2E-FE4E-BD7C-206D23C00727}"/>
+              </a:ext>
+            </a:extLst>
+          </p:cNvPr>
+          <p:cNvSpPr>
             <a:spLocks noGrp="1"/>
           </p:cNvSpPr>
           <p:nvPr>
-            <p:ph type="subTitle" idx="1"/>
+            <p:ph type="body" idx="1"/>
           </p:nvPr>
         </p:nvSpPr>
         <p:spPr>
           <a:xfrm>
-            <a:off x="1507067" y="4050833"/>
-            <a:ext cx="7766936" cy="1096899"/>
+            <a:off x="971056" y="2192901"/>
+            <a:ext cx="8596668" cy="1464700"/>
+          </a:xfrm>
+        </p:spPr>
+        <p:txBody>
+          <a:bodyPr>
+            <a:normAutofit/>
+          </a:bodyPr>
+          <a:lstStyle/>
+          <a:p>
+            <a:r>
+              <a:rPr lang="en-US" altLang="ko-KR" dirty="0"/>
+              <a:t>Context: </a:t>
+            </a:r>
+            <a:r>
+              <a:rPr lang="ko-KR" altLang="en-US" dirty="0"/>
+              <a:t>레이어의 수가 적으므로 </a:t>
+            </a:r>
+            <a:r>
+              <a:rPr lang="en-US" altLang="ko-KR" dirty="0"/>
+              <a:t>receptive field</a:t>
+            </a:r>
+            <a:r>
+              <a:rPr lang="ko-KR" altLang="en-US" dirty="0"/>
+              <a:t>의 크기가 작음</a:t>
+            </a:r>
+            <a:endParaRPr lang="en-US" altLang="ko-KR" dirty="0"/>
+          </a:p>
+          <a:p>
+            <a:r>
+              <a:rPr lang="en-US" altLang="ko-KR" dirty="0"/>
+              <a:t>Convergence: </a:t>
+            </a:r>
+            <a:r>
+              <a:rPr lang="ko-KR" altLang="en-US" dirty="0"/>
+              <a:t>수렴 속도</a:t>
+            </a:r>
+            <a:r>
+              <a:rPr lang="en-US" altLang="ko-KR" dirty="0"/>
+              <a:t>(</a:t>
+            </a:r>
+            <a:r>
+              <a:rPr lang="ko-KR" altLang="en-US" dirty="0"/>
+              <a:t>학습 속도</a:t>
+            </a:r>
+            <a:r>
+              <a:rPr lang="en-US" altLang="ko-KR" dirty="0"/>
+              <a:t>)</a:t>
+            </a:r>
+            <a:r>
+              <a:rPr lang="ko-KR" altLang="en-US" dirty="0"/>
+              <a:t>가 매우 느림</a:t>
+            </a:r>
+            <a:endParaRPr lang="en-US" altLang="ko-KR" dirty="0"/>
+          </a:p>
+          <a:p>
+            <a:r>
+              <a:rPr lang="en-US" altLang="ko-KR" dirty="0"/>
+              <a:t>Scale Factor: </a:t>
+            </a:r>
+            <a:r>
+              <a:rPr lang="ko-KR" altLang="en-US" dirty="0"/>
+              <a:t>다양한 </a:t>
+            </a:r>
+            <a:r>
+              <a:rPr lang="en-US" altLang="ko-KR" dirty="0"/>
+              <a:t>Scale</a:t>
+            </a:r>
+            <a:r>
+              <a:rPr lang="ko-KR" altLang="en-US" dirty="0"/>
+              <a:t>의 이미지에 적용하기 힘듦</a:t>
+            </a:r>
+          </a:p>
+        </p:txBody>
+      </p:sp>
+      <p:sp>
+        <p:nvSpPr>
+          <p:cNvPr id="3" name="화살표: 아래쪽 2">
+            <a:extLst>
+              <a:ext uri="{FF2B5EF4-FFF2-40B4-BE49-F238E27FC236}">
+                <a16:creationId xmlns:a16="http://schemas.microsoft.com/office/drawing/2014/main" id="{9358C126-B321-481A-B5F9-D33B1919A709}"/>
+              </a:ext>
+            </a:extLst>
+          </p:cNvPr>
+          <p:cNvSpPr/>
+          <p:nvPr/>
+        </p:nvSpPr>
+        <p:spPr>
+          <a:xfrm>
+            <a:off x="4540102" y="3657600"/>
+            <a:ext cx="669851" cy="882501"/>
+          </a:xfrm>
+          <a:prstGeom prst="downArrow">
+            <a:avLst/>
+          </a:prstGeom>
+        </p:spPr>
+        <p:style>
+          <a:lnRef idx="2">
+            <a:schemeClr val="accent1">
+              <a:shade val="50000"/>
+            </a:schemeClr>
+          </a:lnRef>
+          <a:fillRef idx="1">
+            <a:schemeClr val="accent1"/>
+          </a:fillRef>
+          <a:effectRef idx="0">
+            <a:schemeClr val="accent1"/>
+          </a:effectRef>
+          <a:fontRef idx="minor">
+            <a:schemeClr val="lt1"/>
+          </a:fontRef>
+        </p:style>
+        <p:txBody>
+          <a:bodyPr rtlCol="0" anchor="ctr"/>
+          <a:lstStyle/>
+          <a:p>
+            <a:pPr algn="ctr"/>
+            <a:endParaRPr lang="ko-KR" altLang="en-US"/>
+          </a:p>
+        </p:txBody>
+      </p:sp>
+      <p:sp>
+        <p:nvSpPr>
+          <p:cNvPr id="5" name="텍스트 개체 틀 5">
+            <a:extLst>
+              <a:ext uri="{FF2B5EF4-FFF2-40B4-BE49-F238E27FC236}">
+                <a16:creationId xmlns:a16="http://schemas.microsoft.com/office/drawing/2014/main" id="{703FF576-8017-45E6-ACCA-FD8A380027B6}"/>
+              </a:ext>
+            </a:extLst>
+          </p:cNvPr>
+          <p:cNvSpPr txBox="1">
+            <a:spLocks/>
+          </p:cNvSpPr>
+          <p:nvPr/>
+        </p:nvSpPr>
+        <p:spPr>
+          <a:xfrm>
+            <a:off x="971056" y="4567505"/>
+            <a:ext cx="8596668" cy="1464700"/>
           </a:xfrm>
           <a:prstGeom prst="rect">
             <a:avLst/>
@@ -18695,27 +20401,868 @@
           <a:bodyPr spcFirstLastPara="1" wrap="square" lIns="91425" tIns="45700" rIns="91425" bIns="45700" anchor="t" anchorCtr="0">
             <a:normAutofit/>
           </a:bodyPr>
-          <a:lstStyle/>
+          <a:lstStyle>
+            <a:defPPr marR="0" lvl="0" algn="l" rtl="0">
+              <a:lnSpc>
+                <a:spcPct val="100000"/>
+              </a:lnSpc>
+              <a:spcBef>
+                <a:spcPts val="0"/>
+              </a:spcBef>
+              <a:spcAft>
+                <a:spcPts val="0"/>
+              </a:spcAft>
+            </a:defPPr>
+            <a:lvl1pPr marL="457200" marR="0" lvl="0" indent="-320040" algn="l" rtl="0">
+              <a:lnSpc>
+                <a:spcPct val="100000"/>
+              </a:lnSpc>
+              <a:spcBef>
+                <a:spcPts val="1000"/>
+              </a:spcBef>
+              <a:spcAft>
+                <a:spcPts val="0"/>
+              </a:spcAft>
+              <a:buClr>
+                <a:schemeClr val="accent1"/>
+              </a:buClr>
+              <a:buSzPts val="1440"/>
+              <a:buFont typeface="Noto Sans Symbols"/>
+              <a:buChar char="►"/>
+              <a:defRPr sz="1800" b="0" i="0" u="none" strike="noStrike" cap="none">
+                <a:solidFill>
+                  <a:srgbClr val="3F3F3F"/>
+                </a:solidFill>
+                <a:latin typeface="Trebuchet MS"/>
+                <a:ea typeface="Trebuchet MS"/>
+                <a:cs typeface="Trebuchet MS"/>
+                <a:sym typeface="Trebuchet MS"/>
+              </a:defRPr>
+            </a:lvl1pPr>
+            <a:lvl2pPr marL="914400" marR="0" lvl="1" indent="-320040" algn="l" rtl="0">
+              <a:lnSpc>
+                <a:spcPct val="100000"/>
+              </a:lnSpc>
+              <a:spcBef>
+                <a:spcPts val="1000"/>
+              </a:spcBef>
+              <a:spcAft>
+                <a:spcPts val="0"/>
+              </a:spcAft>
+              <a:buClr>
+                <a:schemeClr val="accent1"/>
+              </a:buClr>
+              <a:buSzPts val="1440"/>
+              <a:buFont typeface="Noto Sans Symbols"/>
+              <a:buChar char="►"/>
+              <a:defRPr sz="1600" b="0" i="0" u="none" strike="noStrike" cap="none">
+                <a:solidFill>
+                  <a:srgbClr val="3F3F3F"/>
+                </a:solidFill>
+                <a:latin typeface="Trebuchet MS"/>
+                <a:ea typeface="Trebuchet MS"/>
+                <a:cs typeface="Trebuchet MS"/>
+                <a:sym typeface="Trebuchet MS"/>
+              </a:defRPr>
+            </a:lvl2pPr>
+            <a:lvl3pPr marL="1371600" marR="0" lvl="2" indent="-320039" algn="l" rtl="0">
+              <a:lnSpc>
+                <a:spcPct val="100000"/>
+              </a:lnSpc>
+              <a:spcBef>
+                <a:spcPts val="1000"/>
+              </a:spcBef>
+              <a:spcAft>
+                <a:spcPts val="0"/>
+              </a:spcAft>
+              <a:buClr>
+                <a:schemeClr val="accent1"/>
+              </a:buClr>
+              <a:buSzPts val="1440"/>
+              <a:buFont typeface="Noto Sans Symbols"/>
+              <a:buChar char="►"/>
+              <a:defRPr sz="1400" b="0" i="0" u="none" strike="noStrike" cap="none">
+                <a:solidFill>
+                  <a:srgbClr val="3F3F3F"/>
+                </a:solidFill>
+                <a:latin typeface="Trebuchet MS"/>
+                <a:ea typeface="Trebuchet MS"/>
+                <a:cs typeface="Trebuchet MS"/>
+                <a:sym typeface="Trebuchet MS"/>
+              </a:defRPr>
+            </a:lvl3pPr>
+            <a:lvl4pPr marL="1828800" marR="0" lvl="3" indent="-320039" algn="l" rtl="0">
+              <a:lnSpc>
+                <a:spcPct val="100000"/>
+              </a:lnSpc>
+              <a:spcBef>
+                <a:spcPts val="1000"/>
+              </a:spcBef>
+              <a:spcAft>
+                <a:spcPts val="0"/>
+              </a:spcAft>
+              <a:buClr>
+                <a:schemeClr val="accent1"/>
+              </a:buClr>
+              <a:buSzPts val="1440"/>
+              <a:buFont typeface="Noto Sans Symbols"/>
+              <a:buChar char="►"/>
+              <a:defRPr sz="1200" b="0" i="0" u="none" strike="noStrike" cap="none">
+                <a:solidFill>
+                  <a:srgbClr val="3F3F3F"/>
+                </a:solidFill>
+                <a:latin typeface="Trebuchet MS"/>
+                <a:ea typeface="Trebuchet MS"/>
+                <a:cs typeface="Trebuchet MS"/>
+                <a:sym typeface="Trebuchet MS"/>
+              </a:defRPr>
+            </a:lvl4pPr>
+            <a:lvl5pPr marL="2286000" marR="0" lvl="4" indent="-320039" algn="l" rtl="0">
+              <a:lnSpc>
+                <a:spcPct val="100000"/>
+              </a:lnSpc>
+              <a:spcBef>
+                <a:spcPts val="1000"/>
+              </a:spcBef>
+              <a:spcAft>
+                <a:spcPts val="0"/>
+              </a:spcAft>
+              <a:buClr>
+                <a:schemeClr val="accent1"/>
+              </a:buClr>
+              <a:buSzPts val="1440"/>
+              <a:buFont typeface="Noto Sans Symbols"/>
+              <a:buChar char="►"/>
+              <a:defRPr sz="1200" b="0" i="0" u="none" strike="noStrike" cap="none">
+                <a:solidFill>
+                  <a:srgbClr val="3F3F3F"/>
+                </a:solidFill>
+                <a:latin typeface="Trebuchet MS"/>
+                <a:ea typeface="Trebuchet MS"/>
+                <a:cs typeface="Trebuchet MS"/>
+                <a:sym typeface="Trebuchet MS"/>
+              </a:defRPr>
+            </a:lvl5pPr>
+            <a:lvl6pPr marL="2743200" marR="0" lvl="5" indent="-320039" algn="l" rtl="0">
+              <a:lnSpc>
+                <a:spcPct val="100000"/>
+              </a:lnSpc>
+              <a:spcBef>
+                <a:spcPts val="1000"/>
+              </a:spcBef>
+              <a:spcAft>
+                <a:spcPts val="0"/>
+              </a:spcAft>
+              <a:buClr>
+                <a:schemeClr val="accent1"/>
+              </a:buClr>
+              <a:buSzPts val="1440"/>
+              <a:buFont typeface="Noto Sans Symbols"/>
+              <a:buChar char="►"/>
+              <a:defRPr sz="1200" b="0" i="0" u="none" strike="noStrike" cap="none">
+                <a:solidFill>
+                  <a:srgbClr val="3F3F3F"/>
+                </a:solidFill>
+                <a:latin typeface="Trebuchet MS"/>
+                <a:ea typeface="Trebuchet MS"/>
+                <a:cs typeface="Trebuchet MS"/>
+                <a:sym typeface="Trebuchet MS"/>
+              </a:defRPr>
+            </a:lvl6pPr>
+            <a:lvl7pPr marL="3200400" marR="0" lvl="6" indent="-320039" algn="l" rtl="0">
+              <a:lnSpc>
+                <a:spcPct val="100000"/>
+              </a:lnSpc>
+              <a:spcBef>
+                <a:spcPts val="1000"/>
+              </a:spcBef>
+              <a:spcAft>
+                <a:spcPts val="0"/>
+              </a:spcAft>
+              <a:buClr>
+                <a:schemeClr val="accent1"/>
+              </a:buClr>
+              <a:buSzPts val="1440"/>
+              <a:buFont typeface="Noto Sans Symbols"/>
+              <a:buChar char="►"/>
+              <a:defRPr sz="1200" b="0" i="0" u="none" strike="noStrike" cap="none">
+                <a:solidFill>
+                  <a:srgbClr val="3F3F3F"/>
+                </a:solidFill>
+                <a:latin typeface="Trebuchet MS"/>
+                <a:ea typeface="Trebuchet MS"/>
+                <a:cs typeface="Trebuchet MS"/>
+                <a:sym typeface="Trebuchet MS"/>
+              </a:defRPr>
+            </a:lvl7pPr>
+            <a:lvl8pPr marL="3657600" marR="0" lvl="7" indent="-320040" algn="l" rtl="0">
+              <a:lnSpc>
+                <a:spcPct val="100000"/>
+              </a:lnSpc>
+              <a:spcBef>
+                <a:spcPts val="1000"/>
+              </a:spcBef>
+              <a:spcAft>
+                <a:spcPts val="0"/>
+              </a:spcAft>
+              <a:buClr>
+                <a:schemeClr val="accent1"/>
+              </a:buClr>
+              <a:buSzPts val="1440"/>
+              <a:buFont typeface="Noto Sans Symbols"/>
+              <a:buChar char="►"/>
+              <a:defRPr sz="1200" b="0" i="0" u="none" strike="noStrike" cap="none">
+                <a:solidFill>
+                  <a:srgbClr val="3F3F3F"/>
+                </a:solidFill>
+                <a:latin typeface="Trebuchet MS"/>
+                <a:ea typeface="Trebuchet MS"/>
+                <a:cs typeface="Trebuchet MS"/>
+                <a:sym typeface="Trebuchet MS"/>
+              </a:defRPr>
+            </a:lvl8pPr>
+            <a:lvl9pPr marL="4114800" marR="0" lvl="8" indent="-320040" algn="l" rtl="0">
+              <a:lnSpc>
+                <a:spcPct val="100000"/>
+              </a:lnSpc>
+              <a:spcBef>
+                <a:spcPts val="1000"/>
+              </a:spcBef>
+              <a:spcAft>
+                <a:spcPts val="0"/>
+              </a:spcAft>
+              <a:buClr>
+                <a:schemeClr val="accent1"/>
+              </a:buClr>
+              <a:buSzPts val="1440"/>
+              <a:buFont typeface="Noto Sans Symbols"/>
+              <a:buChar char="►"/>
+              <a:defRPr sz="1200" b="0" i="0" u="none" strike="noStrike" cap="none">
+                <a:solidFill>
+                  <a:srgbClr val="3F3F3F"/>
+                </a:solidFill>
+                <a:latin typeface="Trebuchet MS"/>
+                <a:ea typeface="Trebuchet MS"/>
+                <a:cs typeface="Trebuchet MS"/>
+                <a:sym typeface="Trebuchet MS"/>
+              </a:defRPr>
+            </a:lvl9pPr>
+          </a:lstStyle>
           <a:p>
-            <a:pPr marL="0" lvl="0" indent="0" algn="r" rtl="0">
-              <a:spcBef>
-                <a:spcPts val="0"/>
-              </a:spcBef>
-              <a:spcAft>
-                <a:spcPts val="0"/>
-              </a:spcAft>
-              <a:buSzPts val="1440"/>
-              <a:buNone/>
-            </a:pPr>
             <a:r>
-              <a:rPr lang="ko-KR"/>
-              <a:t>질문 받아요</a:t>
+              <a:rPr lang="en-US" altLang="ko-KR" dirty="0"/>
+              <a:t>Context: </a:t>
             </a:r>
-            <a:endParaRPr/>
+            <a:r>
+              <a:rPr lang="ko-KR" altLang="en-US" dirty="0"/>
+              <a:t>레이어의 수를 늘려 넓은 </a:t>
+            </a:r>
+            <a:r>
+              <a:rPr lang="en-US" altLang="ko-KR" dirty="0"/>
+              <a:t>receptive field </a:t>
+            </a:r>
+            <a:r>
+              <a:rPr lang="ko-KR" altLang="en-US" dirty="0"/>
+              <a:t>획득</a:t>
+            </a:r>
+            <a:endParaRPr lang="en-US" altLang="ko-KR" dirty="0"/>
+          </a:p>
+          <a:p>
+            <a:r>
+              <a:rPr lang="en-US" altLang="ko-KR" dirty="0"/>
+              <a:t>Convergence: residual</a:t>
+            </a:r>
+            <a:r>
+              <a:rPr lang="ko-KR" altLang="en-US" dirty="0"/>
+              <a:t> </a:t>
+            </a:r>
+            <a:r>
+              <a:rPr lang="en-US" altLang="ko-KR" dirty="0"/>
+              <a:t>learning</a:t>
+            </a:r>
+            <a:r>
+              <a:rPr lang="ko-KR" altLang="en-US" dirty="0"/>
+              <a:t>과 높은 </a:t>
+            </a:r>
+            <a:r>
+              <a:rPr lang="ko-KR" altLang="en-US" dirty="0" err="1"/>
+              <a:t>학습률</a:t>
+            </a:r>
+            <a:r>
+              <a:rPr lang="ko-KR" altLang="en-US" dirty="0"/>
+              <a:t> 사용</a:t>
+            </a:r>
+            <a:endParaRPr lang="en-US" altLang="ko-KR" dirty="0"/>
+          </a:p>
+          <a:p>
+            <a:r>
+              <a:rPr lang="en-US" altLang="ko-KR" dirty="0"/>
+              <a:t>Scale Factor: multi-scale</a:t>
+            </a:r>
+            <a:r>
+              <a:rPr lang="ko-KR" altLang="en-US" dirty="0"/>
+              <a:t>을 위한 단층 네트워크 설계</a:t>
+            </a:r>
           </a:p>
         </p:txBody>
       </p:sp>
     </p:spTree>
+    <p:extLst>
+      <p:ext uri="{BB962C8B-B14F-4D97-AF65-F5344CB8AC3E}">
+        <p14:creationId xmlns:p14="http://schemas.microsoft.com/office/powerpoint/2010/main" val="1679570051"/>
+      </p:ext>
+    </p:extLst>
+  </p:cSld>
+  <p:clrMapOvr>
+    <a:masterClrMapping/>
+  </p:clrMapOvr>
+</p:sld>
+</file>
+
+<file path=ppt/slides/slide8.xml><?xml version="1.0" encoding="utf-8"?>
+<p:sld xmlns:a="http://schemas.openxmlformats.org/drawingml/2006/main" xmlns:r="http://schemas.openxmlformats.org/officeDocument/2006/relationships" xmlns:p="http://schemas.openxmlformats.org/presentationml/2006/main">
+  <p:cSld>
+    <p:spTree>
+      <p:nvGrpSpPr>
+        <p:cNvPr id="1" name=""/>
+        <p:cNvGrpSpPr/>
+        <p:nvPr/>
+      </p:nvGrpSpPr>
+      <p:grpSpPr>
+        <a:xfrm>
+          <a:off x="0" y="0"/>
+          <a:ext cx="0" cy="0"/>
+          <a:chOff x="0" y="0"/>
+          <a:chExt cx="0" cy="0"/>
+        </a:xfrm>
+      </p:grpSpPr>
+      <p:sp>
+        <p:nvSpPr>
+          <p:cNvPr id="2" name="제목 1">
+            <a:extLst>
+              <a:ext uri="{FF2B5EF4-FFF2-40B4-BE49-F238E27FC236}">
+                <a16:creationId xmlns:a16="http://schemas.microsoft.com/office/drawing/2014/main" id="{E07DCABD-C38C-2E4B-96F7-D0CF3C1883C1}"/>
+              </a:ext>
+            </a:extLst>
+          </p:cNvPr>
+          <p:cNvSpPr>
+            <a:spLocks noGrp="1"/>
+          </p:cNvSpPr>
+          <p:nvPr>
+            <p:ph type="title"/>
+          </p:nvPr>
+        </p:nvSpPr>
+        <p:spPr/>
+        <p:txBody>
+          <a:bodyPr/>
+          <a:lstStyle/>
+          <a:p>
+            <a:r>
+              <a:rPr lang="en-US" altLang="ko-KR" dirty="0"/>
+              <a:t>VDSR</a:t>
+            </a:r>
+            <a:r>
+              <a:rPr lang="ko-KR" altLang="en-US" dirty="0"/>
+              <a:t> 논문 리뷰 </a:t>
+            </a:r>
+            <a:r>
+              <a:rPr lang="en-US" altLang="ko-KR" dirty="0"/>
+              <a:t>– </a:t>
+            </a:r>
+            <a:r>
+              <a:rPr lang="ko-KR" altLang="en-US" dirty="0"/>
+              <a:t>학습 특징</a:t>
+            </a:r>
+          </a:p>
+        </p:txBody>
+      </p:sp>
+      <p:sp>
+        <p:nvSpPr>
+          <p:cNvPr id="6" name="텍스트 개체 틀 5">
+            <a:extLst>
+              <a:ext uri="{FF2B5EF4-FFF2-40B4-BE49-F238E27FC236}">
+                <a16:creationId xmlns:a16="http://schemas.microsoft.com/office/drawing/2014/main" id="{DAA53963-2AD0-4D46-8A06-66F648409565}"/>
+              </a:ext>
+            </a:extLst>
+          </p:cNvPr>
+          <p:cNvSpPr>
+            <a:spLocks noGrp="1"/>
+          </p:cNvSpPr>
+          <p:nvPr>
+            <p:ph type="body" idx="1"/>
+          </p:nvPr>
+        </p:nvSpPr>
+        <p:spPr>
+          <a:xfrm>
+            <a:off x="677334" y="3929230"/>
+            <a:ext cx="8424136" cy="1996742"/>
+          </a:xfrm>
+        </p:spPr>
+        <p:txBody>
+          <a:bodyPr>
+            <a:normAutofit/>
+          </a:bodyPr>
+          <a:lstStyle/>
+          <a:p>
+            <a:r>
+              <a:rPr lang="en-US" altLang="ko-KR" dirty="0"/>
+              <a:t>SRCNN</a:t>
+            </a:r>
+            <a:r>
+              <a:rPr lang="ko-KR" altLang="en-US" dirty="0"/>
+              <a:t>과는 다르게 원본 이미지와 보간 결과의 차이인 </a:t>
+            </a:r>
+            <a:r>
+              <a:rPr lang="en-US" altLang="ko-KR" dirty="0"/>
+              <a:t>residual image</a:t>
+            </a:r>
+            <a:r>
+              <a:rPr lang="ko-KR" altLang="en-US" dirty="0"/>
+              <a:t>를 학습</a:t>
+            </a:r>
+            <a:endParaRPr lang="en-US" altLang="ko-KR" dirty="0"/>
+          </a:p>
+          <a:p>
+            <a:r>
+              <a:rPr lang="en-US" altLang="ko-KR" dirty="0"/>
+              <a:t>Super Resolution </a:t>
+            </a:r>
+            <a:r>
+              <a:rPr lang="ko-KR" altLang="en-US" dirty="0"/>
+              <a:t>특성상 </a:t>
+            </a:r>
+            <a:r>
+              <a:rPr lang="en-US" altLang="ko-KR" dirty="0"/>
+              <a:t>input</a:t>
+            </a:r>
+            <a:r>
+              <a:rPr lang="ko-KR" altLang="en-US" dirty="0"/>
+              <a:t>과 </a:t>
+            </a:r>
+            <a:r>
+              <a:rPr lang="en-US" altLang="ko-KR" dirty="0"/>
+              <a:t>output</a:t>
+            </a:r>
+            <a:r>
+              <a:rPr lang="ko-KR" altLang="en-US" dirty="0"/>
+              <a:t>의 차이가 크지 않으므로 오차가 큰 부분만을 학습하기 위함</a:t>
+            </a:r>
+            <a:endParaRPr lang="en-US" altLang="ko-KR" dirty="0"/>
+          </a:p>
+          <a:p>
+            <a:r>
+              <a:rPr lang="ko-KR" altLang="en-US" dirty="0"/>
+              <a:t>마지막 레이어에 </a:t>
+            </a:r>
+            <a:r>
+              <a:rPr lang="en-US" altLang="ko-KR" dirty="0"/>
+              <a:t>residual layer</a:t>
+            </a:r>
+            <a:r>
+              <a:rPr lang="ko-KR" altLang="en-US" dirty="0"/>
+              <a:t>를 추가</a:t>
+            </a:r>
+            <a:endParaRPr lang="en-US" altLang="ko-KR" dirty="0"/>
+          </a:p>
+          <a:p>
+            <a:endParaRPr lang="ko-KR" altLang="en-US" dirty="0"/>
+          </a:p>
+        </p:txBody>
+      </p:sp>
+      <p:pic>
+        <p:nvPicPr>
+          <p:cNvPr id="4098" name="Picture 2" descr="논문리뷰] (VDSR) Accurate Image Super-Resolution Using Very Deep Convolutional  Networks / CVPR 2016 :: bellzero&amp;#39;s lifelog">
+            <a:extLst>
+              <a:ext uri="{FF2B5EF4-FFF2-40B4-BE49-F238E27FC236}">
+                <a16:creationId xmlns:a16="http://schemas.microsoft.com/office/drawing/2014/main" id="{440CB360-41D1-46DD-B039-049EEE80468E}"/>
+              </a:ext>
+            </a:extLst>
+          </p:cNvPr>
+          <p:cNvPicPr>
+            <a:picLocks noChangeAspect="1" noChangeArrowheads="1"/>
+          </p:cNvPicPr>
+          <p:nvPr/>
+        </p:nvPicPr>
+        <p:blipFill>
+          <a:blip r:embed="rId3">
+            <a:extLst>
+              <a:ext uri="{28A0092B-C50C-407E-A947-70E740481C1C}">
+                <a14:useLocalDpi xmlns:a14="http://schemas.microsoft.com/office/drawing/2010/main" val="0"/>
+              </a:ext>
+            </a:extLst>
+          </a:blip>
+          <a:srcRect/>
+          <a:stretch>
+            <a:fillRect/>
+          </a:stretch>
+        </p:blipFill>
+        <p:spPr bwMode="auto">
+          <a:xfrm>
+            <a:off x="677334" y="1385426"/>
+            <a:ext cx="5699252" cy="2520138"/>
+          </a:xfrm>
+          <a:prstGeom prst="rect">
+            <a:avLst/>
+          </a:prstGeom>
+          <a:noFill/>
+          <a:extLst>
+            <a:ext uri="{909E8E84-426E-40DD-AFC4-6F175D3DCCD1}">
+              <a14:hiddenFill xmlns:a14="http://schemas.microsoft.com/office/drawing/2010/main">
+                <a:solidFill>
+                  <a:srgbClr val="FFFFFF"/>
+                </a:solidFill>
+              </a14:hiddenFill>
+            </a:ext>
+          </a:extLst>
+        </p:spPr>
+      </p:pic>
+      <p:pic>
+        <p:nvPicPr>
+          <p:cNvPr id="17" name="그림 16" descr="텍스트이(가) 표시된 사진&#10;&#10;자동 생성된 설명">
+            <a:extLst>
+              <a:ext uri="{FF2B5EF4-FFF2-40B4-BE49-F238E27FC236}">
+                <a16:creationId xmlns:a16="http://schemas.microsoft.com/office/drawing/2014/main" id="{A347E05B-B848-4DA9-B167-67AEA4FB3600}"/>
+              </a:ext>
+            </a:extLst>
+          </p:cNvPr>
+          <p:cNvPicPr>
+            <a:picLocks noChangeAspect="1"/>
+          </p:cNvPicPr>
+          <p:nvPr/>
+        </p:nvPicPr>
+        <p:blipFill rotWithShape="1">
+          <a:blip r:embed="rId4"/>
+          <a:srcRect l="55532" t="12708" r="8692" b="17641"/>
+          <a:stretch/>
+        </p:blipFill>
+        <p:spPr>
+          <a:xfrm>
+            <a:off x="6479686" y="875592"/>
+            <a:ext cx="3004555" cy="3029972"/>
+          </a:xfrm>
+          <a:prstGeom prst="rect">
+            <a:avLst/>
+          </a:prstGeom>
+        </p:spPr>
+      </p:pic>
+    </p:spTree>
+    <p:extLst>
+      <p:ext uri="{BB962C8B-B14F-4D97-AF65-F5344CB8AC3E}">
+        <p14:creationId xmlns:p14="http://schemas.microsoft.com/office/powerpoint/2010/main" val="645726460"/>
+      </p:ext>
+    </p:extLst>
+  </p:cSld>
+  <p:clrMapOvr>
+    <a:masterClrMapping/>
+  </p:clrMapOvr>
+</p:sld>
+</file>
+
+<file path=ppt/slides/slide9.xml><?xml version="1.0" encoding="utf-8"?>
+<p:sld xmlns:a="http://schemas.openxmlformats.org/drawingml/2006/main" xmlns:r="http://schemas.openxmlformats.org/officeDocument/2006/relationships" xmlns:p="http://schemas.openxmlformats.org/presentationml/2006/main">
+  <p:cSld>
+    <p:spTree>
+      <p:nvGrpSpPr>
+        <p:cNvPr id="1" name=""/>
+        <p:cNvGrpSpPr/>
+        <p:nvPr/>
+      </p:nvGrpSpPr>
+      <p:grpSpPr>
+        <a:xfrm>
+          <a:off x="0" y="0"/>
+          <a:ext cx="0" cy="0"/>
+          <a:chOff x="0" y="0"/>
+          <a:chExt cx="0" cy="0"/>
+        </a:xfrm>
+      </p:grpSpPr>
+      <p:sp>
+        <p:nvSpPr>
+          <p:cNvPr id="2" name="제목 1">
+            <a:extLst>
+              <a:ext uri="{FF2B5EF4-FFF2-40B4-BE49-F238E27FC236}">
+                <a16:creationId xmlns:a16="http://schemas.microsoft.com/office/drawing/2014/main" id="{E07DCABD-C38C-2E4B-96F7-D0CF3C1883C1}"/>
+              </a:ext>
+            </a:extLst>
+          </p:cNvPr>
+          <p:cNvSpPr>
+            <a:spLocks noGrp="1"/>
+          </p:cNvSpPr>
+          <p:nvPr>
+            <p:ph type="title"/>
+          </p:nvPr>
+        </p:nvSpPr>
+        <p:spPr/>
+        <p:txBody>
+          <a:bodyPr/>
+          <a:lstStyle/>
+          <a:p>
+            <a:r>
+              <a:rPr lang="en-US" altLang="ko-KR" dirty="0"/>
+              <a:t>VDSR</a:t>
+            </a:r>
+            <a:r>
+              <a:rPr lang="ko-KR" altLang="en-US" dirty="0"/>
+              <a:t> 논문 리뷰 </a:t>
+            </a:r>
+            <a:r>
+              <a:rPr lang="en-US" altLang="ko-KR" dirty="0"/>
+              <a:t>– </a:t>
+            </a:r>
+            <a:r>
+              <a:rPr lang="ko-KR" altLang="en-US" dirty="0"/>
+              <a:t>학습 특징</a:t>
+            </a:r>
+          </a:p>
+        </p:txBody>
+      </p:sp>
+      <mc:AlternateContent xmlns:mc="http://schemas.openxmlformats.org/markup-compatibility/2006">
+        <mc:Choice xmlns:a14="http://schemas.microsoft.com/office/drawing/2010/main" Requires="a14">
+          <p:sp>
+            <p:nvSpPr>
+              <p:cNvPr id="6" name="텍스트 개체 틀 5">
+                <a:extLst>
+                  <a:ext uri="{FF2B5EF4-FFF2-40B4-BE49-F238E27FC236}">
+                    <a16:creationId xmlns:a16="http://schemas.microsoft.com/office/drawing/2014/main" id="{DAA53963-2AD0-4D46-8A06-66F648409565}"/>
+                  </a:ext>
+                </a:extLst>
+              </p:cNvPr>
+              <p:cNvSpPr>
+                <a:spLocks noGrp="1"/>
+              </p:cNvSpPr>
+              <p:nvPr>
+                <p:ph type="body" idx="1"/>
+              </p:nvPr>
+            </p:nvSpPr>
+            <p:spPr>
+              <a:xfrm>
+                <a:off x="849866" y="2546997"/>
+                <a:ext cx="8424136" cy="1996742"/>
+              </a:xfrm>
+            </p:spPr>
+            <p:txBody>
+              <a:bodyPr>
+                <a:normAutofit/>
+              </a:bodyPr>
+              <a:lstStyle/>
+              <a:p>
+                <a:r>
+                  <a:rPr lang="en-US" altLang="ko-KR" dirty="0"/>
+                  <a:t>Adaptive Learning Rate</a:t>
+                </a:r>
+                <a:r>
+                  <a:rPr lang="ko-KR" altLang="en-US" dirty="0"/>
+                  <a:t>는</a:t>
+                </a:r>
+                <a:r>
+                  <a:rPr lang="en-US" altLang="ko-KR" dirty="0"/>
+                  <a:t> </a:t>
+                </a:r>
+                <a:r>
+                  <a:rPr lang="ko-KR" altLang="en-US" dirty="0"/>
+                  <a:t>학습 진행에 따라 </a:t>
+                </a:r>
+                <a:r>
+                  <a:rPr lang="ko-KR" altLang="en-US" dirty="0" err="1"/>
+                  <a:t>학습률이</a:t>
+                </a:r>
+                <a:r>
+                  <a:rPr lang="ko-KR" altLang="en-US" dirty="0"/>
+                  <a:t> 변경되는 방식</a:t>
+                </a:r>
+                <a:endParaRPr lang="en-US" altLang="ko-KR" dirty="0"/>
+              </a:p>
+              <a:p>
+                <a:r>
+                  <a:rPr lang="ko-KR" altLang="en-US" dirty="0"/>
+                  <a:t>기울기의 범위를 </a:t>
+                </a:r>
+                <a14:m>
+                  <m:oMath xmlns:m="http://schemas.openxmlformats.org/officeDocument/2006/math">
+                    <m:d>
+                      <m:dPr>
+                        <m:begChr m:val="["/>
+                        <m:endChr m:val="]"/>
+                        <m:ctrlPr>
+                          <a:rPr lang="en-US" altLang="ko-KR" i="1" smtClean="0">
+                            <a:latin typeface="Cambria Math" panose="02040503050406030204" pitchFamily="18" charset="0"/>
+                          </a:rPr>
+                        </m:ctrlPr>
+                      </m:dPr>
+                      <m:e>
+                        <m:r>
+                          <a:rPr lang="en-US" altLang="ko-KR" b="0" i="1" smtClean="0">
+                            <a:latin typeface="Cambria Math" panose="02040503050406030204" pitchFamily="18" charset="0"/>
+                          </a:rPr>
+                          <m:t>−</m:t>
+                        </m:r>
+                        <m:f>
+                          <m:fPr>
+                            <m:ctrlPr>
+                              <a:rPr lang="en-US" altLang="ko-KR" b="0" i="1" smtClean="0">
+                                <a:latin typeface="Cambria Math" panose="02040503050406030204" pitchFamily="18" charset="0"/>
+                              </a:rPr>
+                            </m:ctrlPr>
+                          </m:fPr>
+                          <m:num>
+                            <m:r>
+                              <a:rPr lang="en-US" altLang="ko-KR" b="0" i="1" smtClean="0">
+                                <a:latin typeface="Cambria Math" panose="02040503050406030204" pitchFamily="18" charset="0"/>
+                              </a:rPr>
+                              <m:t>𝜃</m:t>
+                            </m:r>
+                          </m:num>
+                          <m:den>
+                            <m:r>
+                              <a:rPr lang="ko-KR" altLang="en-US" b="0" i="1" smtClean="0">
+                                <a:latin typeface="Cambria Math" panose="02040503050406030204" pitchFamily="18" charset="0"/>
+                              </a:rPr>
+                              <m:t>𝛾</m:t>
+                            </m:r>
+                          </m:den>
+                        </m:f>
+                        <m:r>
+                          <a:rPr lang="en-US" altLang="ko-KR" b="0" i="1" smtClean="0">
+                            <a:latin typeface="Cambria Math" panose="02040503050406030204" pitchFamily="18" charset="0"/>
+                          </a:rPr>
+                          <m:t>, </m:t>
+                        </m:r>
+                        <m:f>
+                          <m:fPr>
+                            <m:ctrlPr>
+                              <a:rPr lang="en-US" altLang="ko-KR" b="0" i="1" smtClean="0">
+                                <a:latin typeface="Cambria Math" panose="02040503050406030204" pitchFamily="18" charset="0"/>
+                              </a:rPr>
+                            </m:ctrlPr>
+                          </m:fPr>
+                          <m:num>
+                            <m:r>
+                              <a:rPr lang="en-US" altLang="ko-KR" b="0" i="1" smtClean="0">
+                                <a:latin typeface="Cambria Math" panose="02040503050406030204" pitchFamily="18" charset="0"/>
+                              </a:rPr>
+                              <m:t>𝜃</m:t>
+                            </m:r>
+                          </m:num>
+                          <m:den>
+                            <m:r>
+                              <a:rPr lang="ko-KR" altLang="en-US" b="0" i="1" smtClean="0">
+                                <a:latin typeface="Cambria Math" panose="02040503050406030204" pitchFamily="18" charset="0"/>
+                              </a:rPr>
+                              <m:t>𝛾</m:t>
+                            </m:r>
+                          </m:den>
+                        </m:f>
+                      </m:e>
+                    </m:d>
+                  </m:oMath>
+                </a14:m>
+                <a:r>
+                  <a:rPr lang="ko-KR" altLang="en-US" dirty="0"/>
+                  <a:t>으로 </a:t>
+                </a:r>
+                <a:r>
+                  <a:rPr lang="ko-KR" altLang="en-US" dirty="0" err="1"/>
+                  <a:t>설정함으로서</a:t>
+                </a:r>
+                <a:r>
+                  <a:rPr lang="ko-KR" altLang="en-US" dirty="0"/>
+                  <a:t> 현재 </a:t>
+                </a:r>
+                <a:r>
+                  <a:rPr lang="ko-KR" altLang="en-US" dirty="0" err="1"/>
+                  <a:t>학습률에</a:t>
+                </a:r>
+                <a:r>
+                  <a:rPr lang="ko-KR" altLang="en-US" dirty="0"/>
+                  <a:t> 따라 기울기를 </a:t>
+                </a:r>
+                <a:r>
+                  <a:rPr lang="en-US" altLang="ko-KR" dirty="0"/>
+                  <a:t>clipping</a:t>
+                </a:r>
+              </a:p>
+              <a:p>
+                <a:r>
+                  <a:rPr lang="ko-KR" altLang="en-US" dirty="0"/>
+                  <a:t>초기 </a:t>
+                </a:r>
+                <a:r>
+                  <a:rPr lang="ko-KR" altLang="en-US" dirty="0" err="1"/>
+                  <a:t>학습률이</a:t>
+                </a:r>
+                <a:r>
+                  <a:rPr lang="ko-KR" altLang="en-US" dirty="0"/>
+                  <a:t> 높아도 되므로</a:t>
+                </a:r>
+                <a:r>
+                  <a:rPr lang="en-US" altLang="ko-KR" dirty="0"/>
+                  <a:t>, </a:t>
+                </a:r>
+                <a:r>
+                  <a:rPr lang="ko-KR" altLang="en-US" dirty="0"/>
+                  <a:t>학습 속도가 </a:t>
+                </a:r>
+                <a:r>
+                  <a:rPr lang="ko-KR" altLang="en-US" dirty="0" err="1"/>
+                  <a:t>빨라짐</a:t>
+                </a:r>
+                <a:endParaRPr lang="en-US" altLang="ko-KR" dirty="0"/>
+              </a:p>
+              <a:p>
+                <a:endParaRPr lang="ko-KR" altLang="en-US" dirty="0"/>
+              </a:p>
+            </p:txBody>
+          </p:sp>
+        </mc:Choice>
+        <mc:Fallback>
+          <p:sp>
+            <p:nvSpPr>
+              <p:cNvPr id="6" name="텍스트 개체 틀 5">
+                <a:extLst>
+                  <a:ext uri="{FF2B5EF4-FFF2-40B4-BE49-F238E27FC236}">
+                    <a16:creationId xmlns:a16="http://schemas.microsoft.com/office/drawing/2014/main" id="{DAA53963-2AD0-4D46-8A06-66F648409565}"/>
+                  </a:ext>
+                </a:extLst>
+              </p:cNvPr>
+              <p:cNvSpPr>
+                <a:spLocks noGrp="1" noRot="1" noChangeAspect="1" noMove="1" noResize="1" noEditPoints="1" noAdjustHandles="1" noChangeArrowheads="1" noChangeShapeType="1" noTextEdit="1"/>
+              </p:cNvSpPr>
+              <p:nvPr>
+                <p:ph type="body" idx="1"/>
+              </p:nvPr>
+            </p:nvSpPr>
+            <p:spPr>
+              <a:xfrm>
+                <a:off x="849866" y="2546997"/>
+                <a:ext cx="8424136" cy="1996742"/>
+              </a:xfrm>
+              <a:blipFill>
+                <a:blip r:embed="rId3"/>
+                <a:stretch>
+                  <a:fillRect/>
+                </a:stretch>
+              </a:blipFill>
+            </p:spPr>
+            <p:txBody>
+              <a:bodyPr/>
+              <a:lstStyle/>
+              <a:p>
+                <a:r>
+                  <a:rPr lang="ko-KR" altLang="en-US">
+                    <a:noFill/>
+                  </a:rPr>
+                  <a:t> </a:t>
+                </a:r>
+              </a:p>
+            </p:txBody>
+          </p:sp>
+        </mc:Fallback>
+      </mc:AlternateContent>
+    </p:spTree>
+    <p:extLst>
+      <p:ext uri="{BB962C8B-B14F-4D97-AF65-F5344CB8AC3E}">
+        <p14:creationId xmlns:p14="http://schemas.microsoft.com/office/powerpoint/2010/main" val="3477075620"/>
+      </p:ext>
+    </p:extLst>
   </p:cSld>
   <p:clrMapOvr>
     <a:masterClrMapping/>
